--- a/Meetup_2018_03_09/Data structures and loops/ppt/Adatszerkezetek.pptx
+++ b/Meetup_2018_03_09/Data structures and loops/ppt/Adatszerkezetek.pptx
@@ -5,34 +5,38 @@
     <p:sldMasterId id="2147483661" r:id="rId1"/>
   </p:sldMasterIdLst>
   <p:notesMasterIdLst>
-    <p:notesMasterId r:id="rId10"/>
+    <p:notesMasterId r:id="rId14"/>
   </p:notesMasterIdLst>
   <p:sldIdLst>
-    <p:sldId id="288" r:id="rId2"/>
-    <p:sldId id="256" r:id="rId3"/>
-    <p:sldId id="277" r:id="rId4"/>
-    <p:sldId id="295" r:id="rId5"/>
+    <p:sldId id="303" r:id="rId2"/>
+    <p:sldId id="288" r:id="rId3"/>
+    <p:sldId id="256" r:id="rId4"/>
+    <p:sldId id="277" r:id="rId5"/>
     <p:sldId id="297" r:id="rId6"/>
-    <p:sldId id="296" r:id="rId7"/>
-    <p:sldId id="298" r:id="rId8"/>
-    <p:sldId id="299" r:id="rId9"/>
+    <p:sldId id="295" r:id="rId7"/>
+    <p:sldId id="296" r:id="rId8"/>
+    <p:sldId id="298" r:id="rId9"/>
+    <p:sldId id="300" r:id="rId10"/>
+    <p:sldId id="301" r:id="rId11"/>
+    <p:sldId id="302" r:id="rId12"/>
+    <p:sldId id="299" r:id="rId13"/>
   </p:sldIdLst>
   <p:sldSz cx="9144000" cy="5143500" type="screen16x9"/>
   <p:notesSz cx="6858000" cy="9144000"/>
   <p:embeddedFontLst>
     <p:embeddedFont>
       <p:font typeface="Helvetica Neue" panose="020B0604020202020204" charset="0"/>
-      <p:regular r:id="rId11"/>
-      <p:bold r:id="rId12"/>
-      <p:italic r:id="rId13"/>
-      <p:boldItalic r:id="rId14"/>
-    </p:embeddedFont>
-    <p:embeddedFont>
-      <p:font typeface="Titillium Web" panose="020B0604020202020204" charset="0"/>
       <p:regular r:id="rId15"/>
       <p:bold r:id="rId16"/>
       <p:italic r:id="rId17"/>
       <p:boldItalic r:id="rId18"/>
+    </p:embeddedFont>
+    <p:embeddedFont>
+      <p:font typeface="Titillium Web" panose="020B0604020202020204" charset="0"/>
+      <p:regular r:id="rId19"/>
+      <p:bold r:id="rId20"/>
+      <p:italic r:id="rId21"/>
+      <p:boldItalic r:id="rId22"/>
     </p:embeddedFont>
   </p:embeddedFontLst>
   <p:defaultTextStyle>
@@ -2262,6 +2266,851 @@
       </p:grpSpPr>
       <p:sp>
         <p:nvSpPr>
+          <p:cNvPr id="2" name="Title 1">
+            <a:extLst>
+              <a:ext uri="{FF2B5EF4-FFF2-40B4-BE49-F238E27FC236}">
+                <a16:creationId xmlns:a16="http://schemas.microsoft.com/office/drawing/2014/main" id="{D921C45A-06F1-4DFC-9ADD-BC71CFE1637E}"/>
+              </a:ext>
+            </a:extLst>
+          </p:cNvPr>
+          <p:cNvSpPr>
+            <a:spLocks noGrp="1"/>
+          </p:cNvSpPr>
+          <p:nvPr>
+            <p:ph type="title"/>
+          </p:nvPr>
+        </p:nvSpPr>
+        <p:spPr>
+          <a:xfrm>
+            <a:off x="692025" y="422500"/>
+            <a:ext cx="5049208" cy="857400"/>
+          </a:xfrm>
+        </p:spPr>
+        <p:txBody>
+          <a:bodyPr/>
+          <a:lstStyle/>
+          <a:p>
+            <a:r>
+              <a:rPr lang="hu-HU" dirty="0"/>
+              <a:t>Telepítendő csomagok</a:t>
+            </a:r>
+            <a:endParaRPr lang="en-GB" dirty="0"/>
+          </a:p>
+        </p:txBody>
+      </p:sp>
+      <p:sp>
+        <p:nvSpPr>
+          <p:cNvPr id="3" name="Text Placeholder 2">
+            <a:extLst>
+              <a:ext uri="{FF2B5EF4-FFF2-40B4-BE49-F238E27FC236}">
+                <a16:creationId xmlns:a16="http://schemas.microsoft.com/office/drawing/2014/main" id="{265E4626-F886-48CB-B776-B1872EB1AF62}"/>
+              </a:ext>
+            </a:extLst>
+          </p:cNvPr>
+          <p:cNvSpPr>
+            <a:spLocks noGrp="1"/>
+          </p:cNvSpPr>
+          <p:nvPr>
+            <p:ph type="body" idx="1"/>
+          </p:nvPr>
+        </p:nvSpPr>
+        <p:spPr/>
+        <p:txBody>
+          <a:bodyPr/>
+          <a:lstStyle/>
+          <a:p>
+            <a:r>
+              <a:rPr lang="en-GB" sz="3600" dirty="0">
+                <a:latin typeface="Courier"/>
+              </a:rPr>
+              <a:t>'</a:t>
+            </a:r>
+            <a:r>
+              <a:rPr lang="en-GB" sz="3600" dirty="0" err="1">
+                <a:latin typeface="Courier"/>
+              </a:rPr>
+              <a:t>purrr</a:t>
+            </a:r>
+            <a:r>
+              <a:rPr lang="en-GB" sz="3600" dirty="0">
+                <a:latin typeface="Courier"/>
+              </a:rPr>
+              <a:t>'</a:t>
+            </a:r>
+            <a:endParaRPr lang="hu-HU" sz="3600" dirty="0">
+              <a:latin typeface="Courier"/>
+            </a:endParaRPr>
+          </a:p>
+          <a:p>
+            <a:r>
+              <a:rPr lang="en-GB" sz="3600" dirty="0">
+                <a:latin typeface="Courier"/>
+              </a:rPr>
+              <a:t>'</a:t>
+            </a:r>
+            <a:r>
+              <a:rPr lang="en-GB" sz="3600" dirty="0" err="1">
+                <a:latin typeface="Courier"/>
+              </a:rPr>
+              <a:t>rvest</a:t>
+            </a:r>
+            <a:r>
+              <a:rPr lang="en-GB" sz="3600" dirty="0">
+                <a:latin typeface="Courier"/>
+              </a:rPr>
+              <a:t>'</a:t>
+            </a:r>
+          </a:p>
+          <a:p>
+            <a:r>
+              <a:rPr lang="en-GB" sz="3600" dirty="0">
+                <a:latin typeface="Courier"/>
+              </a:rPr>
+              <a:t>'</a:t>
+            </a:r>
+            <a:r>
+              <a:rPr lang="en-GB" sz="3600" dirty="0" err="1">
+                <a:latin typeface="Courier"/>
+              </a:rPr>
+              <a:t>dplyr</a:t>
+            </a:r>
+            <a:r>
+              <a:rPr lang="en-GB" sz="3600" dirty="0">
+                <a:latin typeface="Courier"/>
+              </a:rPr>
+              <a:t>’</a:t>
+            </a:r>
+          </a:p>
+          <a:p>
+            <a:pPr>
+              <a:buNone/>
+            </a:pPr>
+            <a:endParaRPr lang="en-GB" sz="3600" dirty="0">
+              <a:latin typeface="Courier"/>
+            </a:endParaRPr>
+          </a:p>
+        </p:txBody>
+      </p:sp>
+    </p:spTree>
+    <p:extLst>
+      <p:ext uri="{BB962C8B-B14F-4D97-AF65-F5344CB8AC3E}">
+        <p14:creationId xmlns:p14="http://schemas.microsoft.com/office/powerpoint/2010/main" val="3284166756"/>
+      </p:ext>
+    </p:extLst>
+  </p:cSld>
+  <p:clrMapOvr>
+    <a:masterClrMapping/>
+  </p:clrMapOvr>
+</p:sld>
+</file>
+
+<file path=ppt/slides/slide10.xml><?xml version="1.0" encoding="utf-8"?>
+<p:sld xmlns:a="http://schemas.openxmlformats.org/drawingml/2006/main" xmlns:r="http://schemas.openxmlformats.org/officeDocument/2006/relationships" xmlns:p="http://schemas.openxmlformats.org/presentationml/2006/main">
+  <p:cSld>
+    <p:spTree>
+      <p:nvGrpSpPr>
+        <p:cNvPr id="1" name=""/>
+        <p:cNvGrpSpPr/>
+        <p:nvPr/>
+      </p:nvGrpSpPr>
+      <p:grpSpPr>
+        <a:xfrm>
+          <a:off x="0" y="0"/>
+          <a:ext cx="0" cy="0"/>
+          <a:chOff x="0" y="0"/>
+          <a:chExt cx="0" cy="0"/>
+        </a:xfrm>
+      </p:grpSpPr>
+      <p:sp>
+        <p:nvSpPr>
+          <p:cNvPr id="2" name="Title 1"/>
+          <p:cNvSpPr>
+            <a:spLocks noGrp="1"/>
+          </p:cNvSpPr>
+          <p:nvPr>
+            <p:ph type="title"/>
+          </p:nvPr>
+        </p:nvSpPr>
+        <p:spPr>
+          <a:xfrm>
+            <a:off x="606964" y="0"/>
+            <a:ext cx="6580645" cy="857400"/>
+          </a:xfrm>
+        </p:spPr>
+        <p:txBody>
+          <a:bodyPr/>
+          <a:lstStyle/>
+          <a:p>
+            <a:r>
+              <a:rPr lang="hu-HU" dirty="0"/>
+              <a:t>Mik a </a:t>
+            </a:r>
+            <a:r>
+              <a:rPr lang="en-GB" dirty="0" err="1"/>
+              <a:t>tipikus</a:t>
+            </a:r>
+            <a:r>
+              <a:rPr lang="en-GB" dirty="0"/>
+              <a:t> </a:t>
+            </a:r>
+            <a:r>
+              <a:rPr lang="en-GB" dirty="0" err="1"/>
+              <a:t>iter</a:t>
+            </a:r>
+            <a:r>
+              <a:rPr lang="hu-HU" dirty="0"/>
+              <a:t>ációs módszerek?</a:t>
+            </a:r>
+            <a:endParaRPr lang="en-US" dirty="0"/>
+          </a:p>
+        </p:txBody>
+      </p:sp>
+      <p:sp>
+        <p:nvSpPr>
+          <p:cNvPr id="3" name="Text Placeholder 2"/>
+          <p:cNvSpPr>
+            <a:spLocks noGrp="1"/>
+          </p:cNvSpPr>
+          <p:nvPr>
+            <p:ph type="body" idx="1"/>
+          </p:nvPr>
+        </p:nvSpPr>
+        <p:spPr>
+          <a:xfrm>
+            <a:off x="59961" y="851940"/>
+            <a:ext cx="4852070" cy="3067988"/>
+          </a:xfrm>
+        </p:spPr>
+        <p:txBody>
+          <a:bodyPr/>
+          <a:lstStyle/>
+          <a:p>
+            <a:r>
+              <a:rPr lang="en-US" dirty="0"/>
+              <a:t> </a:t>
+            </a:r>
+            <a:r>
+              <a:rPr lang="hu-HU" dirty="0"/>
+              <a:t>for ciklus</a:t>
+            </a:r>
+            <a:r>
+              <a:rPr lang="en-GB" dirty="0"/>
+              <a:t> </a:t>
+            </a:r>
+            <a:endParaRPr lang="en-US" dirty="0"/>
+          </a:p>
+          <a:p>
+            <a:pPr marL="509588">
+              <a:buNone/>
+            </a:pPr>
+            <a:r>
+              <a:rPr lang="hu-HU" dirty="0">
+                <a:latin typeface="Courier"/>
+              </a:rPr>
+              <a:t>for(</a:t>
+            </a:r>
+            <a:r>
+              <a:rPr lang="en-GB" dirty="0" err="1">
+                <a:latin typeface="Courier"/>
+              </a:rPr>
+              <a:t>i</a:t>
+            </a:r>
+            <a:r>
+              <a:rPr lang="en-GB" dirty="0">
+                <a:latin typeface="Courier"/>
+              </a:rPr>
+              <a:t> in c(1:3)) {</a:t>
+            </a:r>
+          </a:p>
+          <a:p>
+            <a:pPr marL="509588" lvl="1">
+              <a:buNone/>
+            </a:pPr>
+            <a:r>
+              <a:rPr lang="en-GB" dirty="0">
+                <a:latin typeface="Courier"/>
+              </a:rPr>
+              <a:t>       print(</a:t>
+            </a:r>
+            <a:r>
+              <a:rPr lang="en-GB" dirty="0" err="1">
+                <a:latin typeface="Courier"/>
+              </a:rPr>
+              <a:t>i</a:t>
+            </a:r>
+            <a:r>
+              <a:rPr lang="en-GB" dirty="0">
+                <a:latin typeface="Courier"/>
+              </a:rPr>
+              <a:t>)</a:t>
+            </a:r>
+            <a:br>
+              <a:rPr lang="en-GB" dirty="0">
+                <a:latin typeface="Courier"/>
+              </a:rPr>
+            </a:br>
+            <a:r>
+              <a:rPr lang="en-GB" dirty="0">
+                <a:latin typeface="Courier"/>
+              </a:rPr>
+              <a:t>}</a:t>
+            </a:r>
+          </a:p>
+          <a:p>
+            <a:pPr indent="14288"/>
+            <a:r>
+              <a:rPr lang="en-GB" dirty="0">
+                <a:latin typeface="Courier"/>
+              </a:rPr>
+              <a:t> apply</a:t>
+            </a:r>
+            <a:r>
+              <a:rPr lang="en-GB" dirty="0">
+                <a:latin typeface="+mn-lt"/>
+              </a:rPr>
+              <a:t> f</a:t>
+            </a:r>
+            <a:r>
+              <a:rPr lang="hu-HU" dirty="0">
+                <a:latin typeface="+mn-lt"/>
+              </a:rPr>
+              <a:t>üggvények</a:t>
+            </a:r>
+          </a:p>
+          <a:p>
+            <a:pPr indent="14288"/>
+            <a:endParaRPr lang="en-GB" dirty="0">
+              <a:latin typeface="+mn-lt"/>
+            </a:endParaRPr>
+          </a:p>
+          <a:p>
+            <a:pPr indent="14288"/>
+            <a:r>
+              <a:rPr lang="en-GB" dirty="0">
+                <a:latin typeface="Courier"/>
+              </a:rPr>
+              <a:t> </a:t>
+            </a:r>
+            <a:r>
+              <a:rPr lang="en-GB" dirty="0" err="1">
+                <a:latin typeface="Courier"/>
+              </a:rPr>
+              <a:t>purrr</a:t>
+            </a:r>
+            <a:r>
+              <a:rPr lang="hu-HU" dirty="0">
+                <a:latin typeface="+mn-lt"/>
+              </a:rPr>
+              <a:t> </a:t>
+            </a:r>
+            <a:r>
+              <a:rPr lang="en-GB" dirty="0" err="1">
+                <a:latin typeface="+mn-lt"/>
+              </a:rPr>
+              <a:t>csomag</a:t>
+            </a:r>
+            <a:endParaRPr lang="en-GB" dirty="0">
+              <a:latin typeface="+mn-lt"/>
+            </a:endParaRPr>
+          </a:p>
+          <a:p>
+            <a:pPr indent="14288"/>
+            <a:endParaRPr lang="en-GB" dirty="0">
+              <a:latin typeface="+mn-lt"/>
+            </a:endParaRPr>
+          </a:p>
+          <a:p>
+            <a:pPr>
+              <a:buNone/>
+            </a:pPr>
+            <a:endParaRPr lang="en-GB" dirty="0">
+              <a:latin typeface="+mn-lt"/>
+            </a:endParaRPr>
+          </a:p>
+        </p:txBody>
+      </p:sp>
+      <p:pic>
+        <p:nvPicPr>
+          <p:cNvPr id="6" name="Graphic 5" descr="Heart">
+            <a:extLst>
+              <a:ext uri="{FF2B5EF4-FFF2-40B4-BE49-F238E27FC236}">
+                <a16:creationId xmlns:a16="http://schemas.microsoft.com/office/drawing/2014/main" id="{5941A1D6-A16F-4490-92D4-C3AE6BDB0699}"/>
+              </a:ext>
+            </a:extLst>
+          </p:cNvPr>
+          <p:cNvPicPr>
+            <a:picLocks noChangeAspect="1"/>
+          </p:cNvPicPr>
+          <p:nvPr/>
+        </p:nvPicPr>
+        <p:blipFill>
+          <a:blip r:embed="rId2">
+            <a:extLst>
+              <a:ext uri="{96DAC541-7B7A-43D3-8B79-37D633B846F1}">
+                <asvg:svgBlip xmlns:asvg="http://schemas.microsoft.com/office/drawing/2016/SVG/main" r:embed="rId3"/>
+              </a:ext>
+            </a:extLst>
+          </a:blip>
+          <a:stretch>
+            <a:fillRect/>
+          </a:stretch>
+        </p:blipFill>
+        <p:spPr>
+          <a:xfrm>
+            <a:off x="1245201" y="921895"/>
+            <a:ext cx="358745" cy="358745"/>
+          </a:xfrm>
+          <a:prstGeom prst="rect">
+            <a:avLst/>
+          </a:prstGeom>
+        </p:spPr>
+      </p:pic>
+    </p:spTree>
+    <p:extLst>
+      <p:ext uri="{BB962C8B-B14F-4D97-AF65-F5344CB8AC3E}">
+        <p14:creationId xmlns:p14="http://schemas.microsoft.com/office/powerpoint/2010/main" val="4086427120"/>
+      </p:ext>
+    </p:extLst>
+  </p:cSld>
+  <p:clrMapOvr>
+    <a:masterClrMapping/>
+  </p:clrMapOvr>
+</p:sld>
+</file>
+
+<file path=ppt/slides/slide11.xml><?xml version="1.0" encoding="utf-8"?>
+<p:sld xmlns:a="http://schemas.openxmlformats.org/drawingml/2006/main" xmlns:r="http://schemas.openxmlformats.org/officeDocument/2006/relationships" xmlns:p="http://schemas.openxmlformats.org/presentationml/2006/main">
+  <p:cSld>
+    <p:spTree>
+      <p:nvGrpSpPr>
+        <p:cNvPr id="1" name=""/>
+        <p:cNvGrpSpPr/>
+        <p:nvPr/>
+      </p:nvGrpSpPr>
+      <p:grpSpPr>
+        <a:xfrm>
+          <a:off x="0" y="0"/>
+          <a:ext cx="0" cy="0"/>
+          <a:chOff x="0" y="0"/>
+          <a:chExt cx="0" cy="0"/>
+        </a:xfrm>
+      </p:grpSpPr>
+      <p:sp>
+        <p:nvSpPr>
+          <p:cNvPr id="2" name="Title 1"/>
+          <p:cNvSpPr>
+            <a:spLocks noGrp="1"/>
+          </p:cNvSpPr>
+          <p:nvPr>
+            <p:ph type="title"/>
+          </p:nvPr>
+        </p:nvSpPr>
+        <p:spPr>
+          <a:xfrm>
+            <a:off x="606964" y="0"/>
+            <a:ext cx="6580645" cy="857400"/>
+          </a:xfrm>
+        </p:spPr>
+        <p:txBody>
+          <a:bodyPr/>
+          <a:lstStyle/>
+          <a:p>
+            <a:r>
+              <a:rPr lang="hu-HU" dirty="0"/>
+              <a:t>Mik a </a:t>
+            </a:r>
+            <a:r>
+              <a:rPr lang="en-GB" dirty="0" err="1"/>
+              <a:t>tipikus</a:t>
+            </a:r>
+            <a:r>
+              <a:rPr lang="en-GB" dirty="0"/>
+              <a:t> </a:t>
+            </a:r>
+            <a:r>
+              <a:rPr lang="en-GB" dirty="0" err="1"/>
+              <a:t>iter</a:t>
+            </a:r>
+            <a:r>
+              <a:rPr lang="hu-HU" dirty="0"/>
+              <a:t>ációs módszerek?</a:t>
+            </a:r>
+            <a:endParaRPr lang="en-US" dirty="0"/>
+          </a:p>
+        </p:txBody>
+      </p:sp>
+      <p:sp>
+        <p:nvSpPr>
+          <p:cNvPr id="3" name="Text Placeholder 2"/>
+          <p:cNvSpPr>
+            <a:spLocks noGrp="1"/>
+          </p:cNvSpPr>
+          <p:nvPr>
+            <p:ph type="body" idx="1"/>
+          </p:nvPr>
+        </p:nvSpPr>
+        <p:spPr>
+          <a:xfrm>
+            <a:off x="59961" y="851940"/>
+            <a:ext cx="4852070" cy="3067988"/>
+          </a:xfrm>
+        </p:spPr>
+        <p:txBody>
+          <a:bodyPr/>
+          <a:lstStyle/>
+          <a:p>
+            <a:r>
+              <a:rPr lang="en-US" dirty="0"/>
+              <a:t> </a:t>
+            </a:r>
+            <a:r>
+              <a:rPr lang="hu-HU" dirty="0"/>
+              <a:t>for ciklus</a:t>
+            </a:r>
+            <a:r>
+              <a:rPr lang="en-GB" dirty="0"/>
+              <a:t> </a:t>
+            </a:r>
+            <a:endParaRPr lang="en-US" dirty="0"/>
+          </a:p>
+          <a:p>
+            <a:pPr marL="509588">
+              <a:buNone/>
+            </a:pPr>
+            <a:r>
+              <a:rPr lang="hu-HU" dirty="0">
+                <a:latin typeface="Courier"/>
+              </a:rPr>
+              <a:t>for(</a:t>
+            </a:r>
+            <a:r>
+              <a:rPr lang="en-GB" dirty="0" err="1">
+                <a:latin typeface="Courier"/>
+              </a:rPr>
+              <a:t>i</a:t>
+            </a:r>
+            <a:r>
+              <a:rPr lang="en-GB" dirty="0">
+                <a:latin typeface="Courier"/>
+              </a:rPr>
+              <a:t> in c(1:3)) {</a:t>
+            </a:r>
+          </a:p>
+          <a:p>
+            <a:pPr marL="509588" lvl="1">
+              <a:buNone/>
+            </a:pPr>
+            <a:r>
+              <a:rPr lang="en-GB" dirty="0">
+                <a:latin typeface="Courier"/>
+              </a:rPr>
+              <a:t>       print(</a:t>
+            </a:r>
+            <a:r>
+              <a:rPr lang="en-GB" dirty="0" err="1">
+                <a:latin typeface="Courier"/>
+              </a:rPr>
+              <a:t>i</a:t>
+            </a:r>
+            <a:r>
+              <a:rPr lang="en-GB" dirty="0">
+                <a:latin typeface="Courier"/>
+              </a:rPr>
+              <a:t>)</a:t>
+            </a:r>
+            <a:br>
+              <a:rPr lang="en-GB" dirty="0">
+                <a:latin typeface="Courier"/>
+              </a:rPr>
+            </a:br>
+            <a:r>
+              <a:rPr lang="en-GB" dirty="0">
+                <a:latin typeface="Courier"/>
+              </a:rPr>
+              <a:t>}</a:t>
+            </a:r>
+          </a:p>
+          <a:p>
+            <a:pPr indent="14288"/>
+            <a:r>
+              <a:rPr lang="en-GB" dirty="0">
+                <a:latin typeface="Courier"/>
+              </a:rPr>
+              <a:t> apply</a:t>
+            </a:r>
+            <a:r>
+              <a:rPr lang="en-GB" dirty="0">
+                <a:latin typeface="+mn-lt"/>
+              </a:rPr>
+              <a:t> f</a:t>
+            </a:r>
+            <a:r>
+              <a:rPr lang="hu-HU" dirty="0">
+                <a:latin typeface="+mn-lt"/>
+              </a:rPr>
+              <a:t>üggvények</a:t>
+            </a:r>
+          </a:p>
+          <a:p>
+            <a:pPr indent="14288"/>
+            <a:endParaRPr lang="en-GB" dirty="0">
+              <a:latin typeface="+mn-lt"/>
+            </a:endParaRPr>
+          </a:p>
+          <a:p>
+            <a:pPr indent="14288"/>
+            <a:r>
+              <a:rPr lang="en-GB" dirty="0">
+                <a:latin typeface="Courier"/>
+              </a:rPr>
+              <a:t> </a:t>
+            </a:r>
+            <a:r>
+              <a:rPr lang="en-GB" dirty="0" err="1">
+                <a:latin typeface="Courier"/>
+              </a:rPr>
+              <a:t>purrr</a:t>
+            </a:r>
+            <a:r>
+              <a:rPr lang="hu-HU" dirty="0">
+                <a:latin typeface="+mn-lt"/>
+              </a:rPr>
+              <a:t> </a:t>
+            </a:r>
+            <a:r>
+              <a:rPr lang="en-GB" dirty="0" err="1">
+                <a:latin typeface="+mn-lt"/>
+              </a:rPr>
+              <a:t>csomag</a:t>
+            </a:r>
+            <a:endParaRPr lang="en-GB" dirty="0">
+              <a:latin typeface="+mn-lt"/>
+            </a:endParaRPr>
+          </a:p>
+          <a:p>
+            <a:pPr indent="14288"/>
+            <a:endParaRPr lang="en-GB" dirty="0">
+              <a:latin typeface="+mn-lt"/>
+            </a:endParaRPr>
+          </a:p>
+          <a:p>
+            <a:pPr indent="14288"/>
+            <a:endParaRPr lang="en-GB" dirty="0">
+              <a:latin typeface="+mn-lt"/>
+            </a:endParaRPr>
+          </a:p>
+          <a:p>
+            <a:pPr indent="14288"/>
+            <a:r>
+              <a:rPr lang="en-GB" dirty="0">
+                <a:latin typeface="+mn-lt"/>
+              </a:rPr>
+              <a:t> +1: </a:t>
+            </a:r>
+            <a:r>
+              <a:rPr lang="en-GB" dirty="0" err="1">
+                <a:latin typeface="+mn-lt"/>
+              </a:rPr>
+              <a:t>vektoriz</a:t>
+            </a:r>
+            <a:r>
+              <a:rPr lang="hu-HU" dirty="0">
+                <a:latin typeface="+mn-lt"/>
+              </a:rPr>
+              <a:t>álás</a:t>
+            </a:r>
+            <a:endParaRPr lang="en-US" dirty="0">
+              <a:latin typeface="+mn-lt"/>
+            </a:endParaRPr>
+          </a:p>
+        </p:txBody>
+      </p:sp>
+      <p:pic>
+        <p:nvPicPr>
+          <p:cNvPr id="6" name="Graphic 5" descr="Heart">
+            <a:extLst>
+              <a:ext uri="{FF2B5EF4-FFF2-40B4-BE49-F238E27FC236}">
+                <a16:creationId xmlns:a16="http://schemas.microsoft.com/office/drawing/2014/main" id="{5941A1D6-A16F-4490-92D4-C3AE6BDB0699}"/>
+              </a:ext>
+            </a:extLst>
+          </p:cNvPr>
+          <p:cNvPicPr>
+            <a:picLocks noChangeAspect="1"/>
+          </p:cNvPicPr>
+          <p:nvPr/>
+        </p:nvPicPr>
+        <p:blipFill>
+          <a:blip r:embed="rId2">
+            <a:extLst>
+              <a:ext uri="{96DAC541-7B7A-43D3-8B79-37D633B846F1}">
+                <asvg:svgBlip xmlns:asvg="http://schemas.microsoft.com/office/drawing/2016/SVG/main" r:embed="rId3"/>
+              </a:ext>
+            </a:extLst>
+          </a:blip>
+          <a:stretch>
+            <a:fillRect/>
+          </a:stretch>
+        </p:blipFill>
+        <p:spPr>
+          <a:xfrm>
+            <a:off x="1245201" y="921895"/>
+            <a:ext cx="358745" cy="358745"/>
+          </a:xfrm>
+          <a:prstGeom prst="rect">
+            <a:avLst/>
+          </a:prstGeom>
+        </p:spPr>
+      </p:pic>
+    </p:spTree>
+    <p:extLst>
+      <p:ext uri="{BB962C8B-B14F-4D97-AF65-F5344CB8AC3E}">
+        <p14:creationId xmlns:p14="http://schemas.microsoft.com/office/powerpoint/2010/main" val="3197828983"/>
+      </p:ext>
+    </p:extLst>
+  </p:cSld>
+  <p:clrMapOvr>
+    <a:masterClrMapping/>
+  </p:clrMapOvr>
+</p:sld>
+</file>
+
+<file path=ppt/slides/slide12.xml><?xml version="1.0" encoding="utf-8"?>
+<p:sld xmlns:a="http://schemas.openxmlformats.org/drawingml/2006/main" xmlns:r="http://schemas.openxmlformats.org/officeDocument/2006/relationships" xmlns:p="http://schemas.openxmlformats.org/presentationml/2006/main">
+  <p:cSld>
+    <p:spTree>
+      <p:nvGrpSpPr>
+        <p:cNvPr id="1" name=""/>
+        <p:cNvGrpSpPr/>
+        <p:nvPr/>
+      </p:nvGrpSpPr>
+      <p:grpSpPr>
+        <a:xfrm>
+          <a:off x="0" y="0"/>
+          <a:ext cx="0" cy="0"/>
+          <a:chOff x="0" y="0"/>
+          <a:chExt cx="0" cy="0"/>
+        </a:xfrm>
+      </p:grpSpPr>
+      <p:sp>
+        <p:nvSpPr>
+          <p:cNvPr id="2" name="Title 1"/>
+          <p:cNvSpPr>
+            <a:spLocks noGrp="1"/>
+          </p:cNvSpPr>
+          <p:nvPr>
+            <p:ph type="title"/>
+          </p:nvPr>
+        </p:nvSpPr>
+        <p:spPr>
+          <a:xfrm>
+            <a:off x="262328" y="-1"/>
+            <a:ext cx="7862341" cy="1514007"/>
+          </a:xfrm>
+        </p:spPr>
+        <p:txBody>
+          <a:bodyPr/>
+          <a:lstStyle/>
+          <a:p>
+            <a:r>
+              <a:rPr lang="hu-HU" dirty="0"/>
+              <a:t>Esettanulmány: gyűjtsük ki azokat a darabokat a Katona honlapjáról, ahol a kedvenc színészeink együtt játszanak!</a:t>
+            </a:r>
+            <a:endParaRPr lang="en-US" dirty="0"/>
+          </a:p>
+        </p:txBody>
+      </p:sp>
+      <p:pic>
+        <p:nvPicPr>
+          <p:cNvPr id="7" name="Picture 6">
+            <a:extLst>
+              <a:ext uri="{FF2B5EF4-FFF2-40B4-BE49-F238E27FC236}">
+                <a16:creationId xmlns:a16="http://schemas.microsoft.com/office/drawing/2014/main" id="{7F70D011-C4C5-41F4-95B7-6F1C8143AF82}"/>
+              </a:ext>
+            </a:extLst>
+          </p:cNvPr>
+          <p:cNvPicPr>
+            <a:picLocks noChangeAspect="1"/>
+          </p:cNvPicPr>
+          <p:nvPr/>
+        </p:nvPicPr>
+        <p:blipFill>
+          <a:blip r:embed="rId2"/>
+          <a:stretch>
+            <a:fillRect/>
+          </a:stretch>
+        </p:blipFill>
+        <p:spPr>
+          <a:xfrm>
+            <a:off x="999070" y="1968246"/>
+            <a:ext cx="2221023" cy="2231426"/>
+          </a:xfrm>
+          <a:prstGeom prst="rect">
+            <a:avLst/>
+          </a:prstGeom>
+        </p:spPr>
+      </p:pic>
+      <p:pic>
+        <p:nvPicPr>
+          <p:cNvPr id="8" name="Picture 7">
+            <a:extLst>
+              <a:ext uri="{FF2B5EF4-FFF2-40B4-BE49-F238E27FC236}">
+                <a16:creationId xmlns:a16="http://schemas.microsoft.com/office/drawing/2014/main" id="{D0EBB17F-24C7-4D81-9C68-EA37B903A457}"/>
+              </a:ext>
+            </a:extLst>
+          </p:cNvPr>
+          <p:cNvPicPr>
+            <a:picLocks noChangeAspect="1"/>
+          </p:cNvPicPr>
+          <p:nvPr/>
+        </p:nvPicPr>
+        <p:blipFill>
+          <a:blip r:embed="rId3"/>
+          <a:stretch>
+            <a:fillRect/>
+          </a:stretch>
+        </p:blipFill>
+        <p:spPr>
+          <a:xfrm>
+            <a:off x="5520286" y="1968246"/>
+            <a:ext cx="2221119" cy="2231426"/>
+          </a:xfrm>
+          <a:prstGeom prst="rect">
+            <a:avLst/>
+          </a:prstGeom>
+        </p:spPr>
+      </p:pic>
+    </p:spTree>
+    <p:extLst>
+      <p:ext uri="{BB962C8B-B14F-4D97-AF65-F5344CB8AC3E}">
+        <p14:creationId xmlns:p14="http://schemas.microsoft.com/office/powerpoint/2010/main" val="3796828195"/>
+      </p:ext>
+    </p:extLst>
+  </p:cSld>
+  <p:clrMapOvr>
+    <a:masterClrMapping/>
+  </p:clrMapOvr>
+</p:sld>
+</file>
+
+<file path=ppt/slides/slide2.xml><?xml version="1.0" encoding="utf-8"?>
+<p:sld xmlns:a="http://schemas.openxmlformats.org/drawingml/2006/main" xmlns:r="http://schemas.openxmlformats.org/officeDocument/2006/relationships" xmlns:p="http://schemas.openxmlformats.org/presentationml/2006/main">
+  <p:cSld>
+    <p:spTree>
+      <p:nvGrpSpPr>
+        <p:cNvPr id="1" name=""/>
+        <p:cNvGrpSpPr/>
+        <p:nvPr/>
+      </p:nvGrpSpPr>
+      <p:grpSpPr>
+        <a:xfrm>
+          <a:off x="0" y="0"/>
+          <a:ext cx="0" cy="0"/>
+          <a:chOff x="0" y="0"/>
+          <a:chExt cx="0" cy="0"/>
+        </a:xfrm>
+      </p:grpSpPr>
+      <p:sp>
+        <p:nvSpPr>
           <p:cNvPr id="2" name="Title 1"/>
           <p:cNvSpPr>
             <a:spLocks noGrp="1"/>
@@ -2310,7 +3159,7 @@
         </p:blipFill>
         <p:spPr>
           <a:xfrm>
-            <a:off x="74951" y="654877"/>
+            <a:off x="74951" y="573460"/>
             <a:ext cx="9144000" cy="1916873"/>
           </a:xfrm>
           <a:prstGeom prst="rect">
@@ -2430,7 +3279,7 @@
         </p:blipFill>
         <p:spPr>
           <a:xfrm>
-            <a:off x="3867014" y="2575963"/>
+            <a:off x="3963812" y="2575961"/>
             <a:ext cx="1498312" cy="1051447"/>
           </a:xfrm>
           <a:prstGeom prst="rect">
@@ -2490,7 +3339,7 @@
         </p:blipFill>
         <p:spPr>
           <a:xfrm>
-            <a:off x="3912432" y="3716418"/>
+            <a:off x="3994644" y="3716418"/>
             <a:ext cx="3165891" cy="1225666"/>
           </a:xfrm>
           <a:prstGeom prst="rect">
@@ -2520,7 +3369,7 @@
         </p:blipFill>
         <p:spPr>
           <a:xfrm>
-            <a:off x="5156616" y="2493714"/>
+            <a:off x="5621311" y="2493714"/>
             <a:ext cx="3447738" cy="1215943"/>
           </a:xfrm>
           <a:prstGeom prst="rect">
@@ -2550,7 +3399,7 @@
         </p:blipFill>
         <p:spPr>
           <a:xfrm>
-            <a:off x="7143670" y="3716418"/>
+            <a:off x="7555899" y="3716418"/>
             <a:ext cx="1460684" cy="1331965"/>
           </a:xfrm>
           <a:prstGeom prst="rect">
@@ -2571,7 +3420,7 @@
 </p:sld>
 </file>
 
-<file path=ppt/slides/slide2.xml><?xml version="1.0" encoding="utf-8"?>
+<file path=ppt/slides/slide3.xml><?xml version="1.0" encoding="utf-8"?>
 <p:sld xmlns:a="http://schemas.openxmlformats.org/drawingml/2006/main" xmlns:r="http://schemas.openxmlformats.org/officeDocument/2006/relationships" xmlns:p="http://schemas.openxmlformats.org/presentationml/2006/main">
   <p:cSld>
     <p:bg>
@@ -2827,7 +3676,7 @@
 </p:sld>
 </file>
 
-<file path=ppt/slides/slide3.xml><?xml version="1.0" encoding="utf-8"?>
+<file path=ppt/slides/slide4.xml><?xml version="1.0" encoding="utf-8"?>
 <p:sld xmlns:a="http://schemas.openxmlformats.org/drawingml/2006/main" xmlns:r="http://schemas.openxmlformats.org/officeDocument/2006/relationships" xmlns:p="http://schemas.openxmlformats.org/presentationml/2006/main">
   <p:cSld>
     <p:spTree>
@@ -3351,840 +4200,84 @@
   <p:clrMapOvr>
     <a:masterClrMapping/>
   </p:clrMapOvr>
-</p:sld>
-</file>
-
-<file path=ppt/slides/slide4.xml><?xml version="1.0" encoding="utf-8"?>
-<p:sld xmlns:a="http://schemas.openxmlformats.org/drawingml/2006/main" xmlns:r="http://schemas.openxmlformats.org/officeDocument/2006/relationships" xmlns:p="http://schemas.openxmlformats.org/presentationml/2006/main">
-  <p:cSld>
-    <p:spTree>
-      <p:nvGrpSpPr>
-        <p:cNvPr id="1" name=""/>
-        <p:cNvGrpSpPr/>
-        <p:nvPr/>
-      </p:nvGrpSpPr>
-      <p:grpSpPr>
-        <a:xfrm>
-          <a:off x="0" y="0"/>
-          <a:ext cx="0" cy="0"/>
-          <a:chOff x="0" y="0"/>
-          <a:chExt cx="0" cy="0"/>
-        </a:xfrm>
-      </p:grpSpPr>
-      <p:sp>
-        <p:nvSpPr>
-          <p:cNvPr id="2" name="Title 1"/>
-          <p:cNvSpPr>
-            <a:spLocks noGrp="1"/>
-          </p:cNvSpPr>
-          <p:nvPr>
-            <p:ph type="title"/>
-          </p:nvPr>
-        </p:nvSpPr>
-        <p:spPr>
-          <a:xfrm>
-            <a:off x="606964" y="0"/>
-            <a:ext cx="6580645" cy="857400"/>
-          </a:xfrm>
-        </p:spPr>
-        <p:txBody>
-          <a:bodyPr/>
-          <a:lstStyle/>
-          <a:p>
-            <a:r>
-              <a:rPr lang="hu-HU" dirty="0"/>
-              <a:t>Mik a leggyakrabban használt adatszerkezetek?</a:t>
-            </a:r>
-            <a:endParaRPr lang="en-US" dirty="0"/>
-          </a:p>
-        </p:txBody>
-      </p:sp>
-      <p:sp>
-        <p:nvSpPr>
-          <p:cNvPr id="3" name="Text Placeholder 2"/>
-          <p:cNvSpPr>
-            <a:spLocks noGrp="1"/>
-          </p:cNvSpPr>
-          <p:nvPr>
-            <p:ph type="body" idx="1"/>
-          </p:nvPr>
-        </p:nvSpPr>
-        <p:spPr>
-          <a:xfrm>
-            <a:off x="59961" y="851940"/>
-            <a:ext cx="4852070" cy="2013216"/>
-          </a:xfrm>
-        </p:spPr>
-        <p:txBody>
-          <a:bodyPr/>
-          <a:lstStyle/>
-          <a:p>
-            <a:r>
-              <a:rPr lang="en-US" dirty="0"/>
-              <a:t> </a:t>
-            </a:r>
-            <a:r>
-              <a:rPr lang="hu-HU" dirty="0"/>
-              <a:t>Vektorok</a:t>
-            </a:r>
-            <a:endParaRPr lang="en-US" dirty="0"/>
-          </a:p>
-          <a:p>
-            <a:pPr marL="509588"/>
-            <a:r>
-              <a:rPr lang="en-US" dirty="0"/>
-              <a:t> </a:t>
-            </a:r>
-            <a:r>
-              <a:rPr lang="en-GB" dirty="0">
-                <a:latin typeface="Courier"/>
-              </a:rPr>
-              <a:t>x</a:t>
-            </a:r>
-            <a:r>
-              <a:rPr lang="hu-HU" dirty="0">
-                <a:latin typeface="Courier"/>
-              </a:rPr>
-              <a:t> </a:t>
-            </a:r>
-            <a:r>
-              <a:rPr lang="en-GB" dirty="0">
-                <a:latin typeface="Courier"/>
-              </a:rPr>
-              <a:t>&lt;- c(1, 2, 3)</a:t>
-            </a:r>
-          </a:p>
-          <a:p>
-            <a:pPr marL="509588"/>
-            <a:r>
-              <a:rPr lang="en-GB" dirty="0">
-                <a:latin typeface="Courier"/>
-              </a:rPr>
-              <a:t> y &lt;- c(“</a:t>
-            </a:r>
-            <a:r>
-              <a:rPr lang="en-GB" dirty="0" err="1">
-                <a:latin typeface="Courier"/>
-              </a:rPr>
-              <a:t>Jancsi</a:t>
-            </a:r>
-            <a:r>
-              <a:rPr lang="en-GB" dirty="0">
-                <a:latin typeface="Courier"/>
-              </a:rPr>
-              <a:t>”, “</a:t>
-            </a:r>
-            <a:r>
-              <a:rPr lang="en-GB" dirty="0" err="1">
-                <a:latin typeface="Courier"/>
-              </a:rPr>
-              <a:t>Juliska</a:t>
-            </a:r>
-            <a:r>
-              <a:rPr lang="en-GB" dirty="0">
-                <a:latin typeface="Courier"/>
-              </a:rPr>
-              <a:t>”)</a:t>
-            </a:r>
-          </a:p>
-          <a:p>
-            <a:pPr marL="509588"/>
-            <a:r>
-              <a:rPr lang="en-US" dirty="0">
-                <a:latin typeface="Courier"/>
-              </a:rPr>
-              <a:t> z &lt;- c(TRUE, FALSE) </a:t>
-            </a:r>
-          </a:p>
-          <a:p>
-            <a:pPr marL="509588"/>
-            <a:endParaRPr lang="en-US" dirty="0"/>
-          </a:p>
-        </p:txBody>
-      </p:sp>
-      <p:sp>
-        <p:nvSpPr>
-          <p:cNvPr id="5" name="Text Placeholder 2">
-            <a:extLst>
-              <a:ext uri="{FF2B5EF4-FFF2-40B4-BE49-F238E27FC236}">
-                <a16:creationId xmlns:a16="http://schemas.microsoft.com/office/drawing/2014/main" id="{0A3A7E71-18E3-46D6-9588-8B737823B2A9}"/>
-              </a:ext>
-            </a:extLst>
-          </p:cNvPr>
-          <p:cNvSpPr txBox="1">
-            <a:spLocks/>
-          </p:cNvSpPr>
-          <p:nvPr/>
-        </p:nvSpPr>
-        <p:spPr>
-          <a:xfrm>
-            <a:off x="59961" y="2272884"/>
-            <a:ext cx="4721902" cy="2013216"/>
-          </a:xfrm>
-          <a:prstGeom prst="rect">
-            <a:avLst/>
-          </a:prstGeom>
-          <a:noFill/>
-          <a:ln>
-            <a:noFill/>
-          </a:ln>
-        </p:spPr>
-        <p:txBody>
-          <a:bodyPr lIns="91425" tIns="91425" rIns="91425" bIns="91425" anchor="t" anchorCtr="0"/>
-          <a:lstStyle>
-            <a:defPPr marR="0" lvl="0" algn="l" rtl="0">
-              <a:lnSpc>
-                <a:spcPct val="100000"/>
-              </a:lnSpc>
-              <a:spcBef>
-                <a:spcPts val="0"/>
-              </a:spcBef>
-              <a:spcAft>
-                <a:spcPts val="0"/>
-              </a:spcAft>
-            </a:defPPr>
-            <a:lvl1pPr marR="0" lvl="0" algn="l" rtl="0">
-              <a:lnSpc>
-                <a:spcPct val="100000"/>
-              </a:lnSpc>
-              <a:spcBef>
-                <a:spcPts val="0"/>
-              </a:spcBef>
-              <a:spcAft>
-                <a:spcPts val="0"/>
-              </a:spcAft>
-              <a:buClr>
-                <a:srgbClr val="562457"/>
-              </a:buClr>
-              <a:buSzPct val="100000"/>
-              <a:buFont typeface="Helvetica Neue"/>
-              <a:buChar char="▪"/>
-              <a:defRPr sz="1800" b="0" i="0" u="none" strike="noStrike" cap="none">
-                <a:solidFill>
-                  <a:srgbClr val="181818"/>
-                </a:solidFill>
-                <a:latin typeface="Helvetica Neue"/>
-                <a:ea typeface="Helvetica Neue"/>
-                <a:cs typeface="Helvetica Neue"/>
-                <a:sym typeface="Helvetica Neue"/>
-              </a:defRPr>
-            </a:lvl1pPr>
-            <a:lvl2pPr marR="0" lvl="1" algn="l" rtl="0">
-              <a:lnSpc>
-                <a:spcPct val="100000"/>
-              </a:lnSpc>
-              <a:spcBef>
-                <a:spcPts val="0"/>
-              </a:spcBef>
-              <a:spcAft>
-                <a:spcPts val="0"/>
-              </a:spcAft>
-              <a:buClr>
-                <a:srgbClr val="562457"/>
-              </a:buClr>
-              <a:buSzPct val="100000"/>
-              <a:buFont typeface="Helvetica Neue"/>
-              <a:buChar char="▫"/>
-              <a:defRPr sz="1800" b="0" i="0" u="none" strike="noStrike" cap="none">
-                <a:solidFill>
-                  <a:srgbClr val="181818"/>
-                </a:solidFill>
-                <a:latin typeface="Helvetica Neue"/>
-                <a:ea typeface="Helvetica Neue"/>
-                <a:cs typeface="Helvetica Neue"/>
-                <a:sym typeface="Helvetica Neue"/>
-              </a:defRPr>
-            </a:lvl2pPr>
-            <a:lvl3pPr marR="0" lvl="2" algn="l" rtl="0">
-              <a:lnSpc>
-                <a:spcPct val="100000"/>
-              </a:lnSpc>
-              <a:spcBef>
-                <a:spcPts val="0"/>
-              </a:spcBef>
-              <a:spcAft>
-                <a:spcPts val="0"/>
-              </a:spcAft>
-              <a:buClr>
-                <a:srgbClr val="562457"/>
-              </a:buClr>
-              <a:buSzPct val="100000"/>
-              <a:buFont typeface="Helvetica Neue"/>
-              <a:buChar char="▸"/>
-              <a:defRPr sz="1800" b="0" i="0" u="none" strike="noStrike" cap="none">
-                <a:solidFill>
-                  <a:srgbClr val="181818"/>
-                </a:solidFill>
-                <a:latin typeface="Helvetica Neue"/>
-                <a:ea typeface="Helvetica Neue"/>
-                <a:cs typeface="Helvetica Neue"/>
-                <a:sym typeface="Helvetica Neue"/>
-              </a:defRPr>
-            </a:lvl3pPr>
-            <a:lvl4pPr marR="0" lvl="3" algn="l" rtl="0">
-              <a:lnSpc>
-                <a:spcPct val="100000"/>
-              </a:lnSpc>
-              <a:spcBef>
-                <a:spcPts val="0"/>
-              </a:spcBef>
-              <a:spcAft>
-                <a:spcPts val="0"/>
-              </a:spcAft>
-              <a:buClr>
-                <a:srgbClr val="562457"/>
-              </a:buClr>
-              <a:buSzPct val="100000"/>
-              <a:buFont typeface="Helvetica Neue"/>
-              <a:buChar char="▹"/>
-              <a:defRPr sz="1800" b="0" i="0" u="none" strike="noStrike" cap="none">
-                <a:solidFill>
-                  <a:srgbClr val="181818"/>
-                </a:solidFill>
-                <a:latin typeface="Helvetica Neue"/>
-                <a:ea typeface="Helvetica Neue"/>
-                <a:cs typeface="Helvetica Neue"/>
-                <a:sym typeface="Helvetica Neue"/>
-              </a:defRPr>
-            </a:lvl4pPr>
-            <a:lvl5pPr marR="0" lvl="4" algn="l" rtl="0">
-              <a:lnSpc>
-                <a:spcPct val="100000"/>
-              </a:lnSpc>
-              <a:spcBef>
-                <a:spcPts val="0"/>
-              </a:spcBef>
-              <a:spcAft>
-                <a:spcPts val="0"/>
-              </a:spcAft>
-              <a:buClr>
-                <a:srgbClr val="562457"/>
-              </a:buClr>
-              <a:buSzPct val="100000"/>
-              <a:buFont typeface="Helvetica Neue"/>
-              <a:buChar char="▹"/>
-              <a:defRPr sz="1800" b="0" i="0" u="none" strike="noStrike" cap="none">
-                <a:solidFill>
-                  <a:srgbClr val="181818"/>
-                </a:solidFill>
-                <a:latin typeface="Helvetica Neue"/>
-                <a:ea typeface="Helvetica Neue"/>
-                <a:cs typeface="Helvetica Neue"/>
-                <a:sym typeface="Helvetica Neue"/>
-              </a:defRPr>
-            </a:lvl5pPr>
-            <a:lvl6pPr marR="0" lvl="5" algn="l" rtl="0">
-              <a:lnSpc>
-                <a:spcPct val="100000"/>
-              </a:lnSpc>
-              <a:spcBef>
-                <a:spcPts val="0"/>
-              </a:spcBef>
-              <a:spcAft>
-                <a:spcPts val="0"/>
-              </a:spcAft>
-              <a:buClr>
-                <a:srgbClr val="562457"/>
-              </a:buClr>
-              <a:buSzPct val="100000"/>
-              <a:buFont typeface="Helvetica Neue"/>
-              <a:buChar char="▹"/>
-              <a:defRPr sz="1800" b="0" i="0" u="none" strike="noStrike" cap="none">
-                <a:solidFill>
-                  <a:srgbClr val="181818"/>
-                </a:solidFill>
-                <a:latin typeface="Helvetica Neue"/>
-                <a:ea typeface="Helvetica Neue"/>
-                <a:cs typeface="Helvetica Neue"/>
-                <a:sym typeface="Helvetica Neue"/>
-              </a:defRPr>
-            </a:lvl6pPr>
-            <a:lvl7pPr marR="0" lvl="6" algn="l" rtl="0">
-              <a:lnSpc>
-                <a:spcPct val="100000"/>
-              </a:lnSpc>
-              <a:spcBef>
-                <a:spcPts val="0"/>
-              </a:spcBef>
-              <a:spcAft>
-                <a:spcPts val="0"/>
-              </a:spcAft>
-              <a:buClr>
-                <a:srgbClr val="562457"/>
-              </a:buClr>
-              <a:buSzPct val="100000"/>
-              <a:buFont typeface="Helvetica Neue"/>
-              <a:buChar char="▹"/>
-              <a:defRPr sz="1800" b="0" i="0" u="none" strike="noStrike" cap="none">
-                <a:solidFill>
-                  <a:srgbClr val="181818"/>
-                </a:solidFill>
-                <a:latin typeface="Helvetica Neue"/>
-                <a:ea typeface="Helvetica Neue"/>
-                <a:cs typeface="Helvetica Neue"/>
-                <a:sym typeface="Helvetica Neue"/>
-              </a:defRPr>
-            </a:lvl7pPr>
-            <a:lvl8pPr marR="0" lvl="7" algn="l" rtl="0">
-              <a:lnSpc>
-                <a:spcPct val="100000"/>
-              </a:lnSpc>
-              <a:spcBef>
-                <a:spcPts val="0"/>
-              </a:spcBef>
-              <a:spcAft>
-                <a:spcPts val="0"/>
-              </a:spcAft>
-              <a:buClr>
-                <a:srgbClr val="562457"/>
-              </a:buClr>
-              <a:buSzPct val="100000"/>
-              <a:buFont typeface="Helvetica Neue"/>
-              <a:buChar char="▹"/>
-              <a:defRPr sz="1800" b="0" i="0" u="none" strike="noStrike" cap="none">
-                <a:solidFill>
-                  <a:srgbClr val="181818"/>
-                </a:solidFill>
-                <a:latin typeface="Helvetica Neue"/>
-                <a:ea typeface="Helvetica Neue"/>
-                <a:cs typeface="Helvetica Neue"/>
-                <a:sym typeface="Helvetica Neue"/>
-              </a:defRPr>
-            </a:lvl8pPr>
-            <a:lvl9pPr marR="0" lvl="8" algn="l" rtl="0">
-              <a:lnSpc>
-                <a:spcPct val="100000"/>
-              </a:lnSpc>
-              <a:spcBef>
-                <a:spcPts val="0"/>
-              </a:spcBef>
-              <a:spcAft>
-                <a:spcPts val="0"/>
-              </a:spcAft>
-              <a:buClr>
-                <a:srgbClr val="562457"/>
-              </a:buClr>
-              <a:buSzPct val="100000"/>
-              <a:buFont typeface="Helvetica Neue"/>
-              <a:buChar char="▹"/>
-              <a:defRPr sz="1800" b="0" i="0" u="none" strike="noStrike" cap="none">
-                <a:solidFill>
-                  <a:srgbClr val="181818"/>
-                </a:solidFill>
-                <a:latin typeface="Helvetica Neue"/>
-                <a:ea typeface="Helvetica Neue"/>
-                <a:cs typeface="Helvetica Neue"/>
-                <a:sym typeface="Helvetica Neue"/>
-              </a:defRPr>
-            </a:lvl9pPr>
-          </a:lstStyle>
-          <a:p>
-            <a:r>
-              <a:rPr lang="en-US" dirty="0"/>
-              <a:t> </a:t>
-            </a:r>
-            <a:r>
-              <a:rPr lang="hu-HU" dirty="0"/>
-              <a:t>Listák</a:t>
-            </a:r>
-            <a:endParaRPr lang="en-US" dirty="0"/>
-          </a:p>
-          <a:p>
-            <a:pPr marL="509588"/>
-            <a:r>
-              <a:rPr lang="hu-HU" dirty="0">
-                <a:latin typeface="Courier"/>
-              </a:rPr>
-              <a:t> x &lt;- list(„a”, TRUE, 1)</a:t>
-            </a:r>
-          </a:p>
-          <a:p>
-            <a:pPr marL="509588"/>
-            <a:r>
-              <a:rPr lang="hu-HU" dirty="0">
-                <a:latin typeface="Courier"/>
-              </a:rPr>
-              <a:t> y &lt;- list(list(„a”, „b”), 		  list(1, 2))</a:t>
-            </a:r>
-          </a:p>
-          <a:p>
-            <a:pPr marL="509588"/>
-            <a:r>
-              <a:rPr lang="hu-HU" dirty="0">
-                <a:latin typeface="Courier"/>
-              </a:rPr>
-              <a:t> z &lt;- list(„a” = c(1, 2, 3))</a:t>
-            </a:r>
-            <a:endParaRPr lang="en-US" dirty="0">
-              <a:latin typeface="Courier"/>
-            </a:endParaRPr>
-          </a:p>
-          <a:p>
-            <a:pPr marL="509588"/>
-            <a:endParaRPr lang="en-US" dirty="0"/>
-          </a:p>
-        </p:txBody>
-      </p:sp>
-      <p:sp>
-        <p:nvSpPr>
-          <p:cNvPr id="8" name="Text Placeholder 2">
-            <a:extLst>
-              <a:ext uri="{FF2B5EF4-FFF2-40B4-BE49-F238E27FC236}">
-                <a16:creationId xmlns:a16="http://schemas.microsoft.com/office/drawing/2014/main" id="{5DFB9474-679F-4A86-8010-66A18B503E54}"/>
-              </a:ext>
-            </a:extLst>
-          </p:cNvPr>
-          <p:cNvSpPr txBox="1">
-            <a:spLocks/>
-          </p:cNvSpPr>
-          <p:nvPr/>
-        </p:nvSpPr>
-        <p:spPr>
-          <a:xfrm>
-            <a:off x="4839541" y="2272884"/>
-            <a:ext cx="4244498" cy="1438752"/>
-          </a:xfrm>
-          <a:prstGeom prst="rect">
-            <a:avLst/>
-          </a:prstGeom>
-          <a:noFill/>
-          <a:ln>
-            <a:noFill/>
-          </a:ln>
-        </p:spPr>
-        <p:txBody>
-          <a:bodyPr lIns="91425" tIns="91425" rIns="91425" bIns="91425" anchor="t" anchorCtr="0"/>
-          <a:lstStyle>
-            <a:defPPr marR="0" lvl="0" algn="l" rtl="0">
-              <a:lnSpc>
-                <a:spcPct val="100000"/>
-              </a:lnSpc>
-              <a:spcBef>
-                <a:spcPts val="0"/>
-              </a:spcBef>
-              <a:spcAft>
-                <a:spcPts val="0"/>
-              </a:spcAft>
-            </a:defPPr>
-            <a:lvl1pPr marR="0" lvl="0" algn="l" rtl="0">
-              <a:lnSpc>
-                <a:spcPct val="100000"/>
-              </a:lnSpc>
-              <a:spcBef>
-                <a:spcPts val="0"/>
-              </a:spcBef>
-              <a:spcAft>
-                <a:spcPts val="0"/>
-              </a:spcAft>
-              <a:buClr>
-                <a:srgbClr val="562457"/>
-              </a:buClr>
-              <a:buSzPct val="100000"/>
-              <a:buFont typeface="Helvetica Neue"/>
-              <a:buChar char="▪"/>
-              <a:defRPr sz="1800" b="0" i="0" u="none" strike="noStrike" cap="none">
-                <a:solidFill>
-                  <a:srgbClr val="181818"/>
-                </a:solidFill>
-                <a:latin typeface="Helvetica Neue"/>
-                <a:ea typeface="Helvetica Neue"/>
-                <a:cs typeface="Helvetica Neue"/>
-                <a:sym typeface="Helvetica Neue"/>
-              </a:defRPr>
-            </a:lvl1pPr>
-            <a:lvl2pPr marR="0" lvl="1" algn="l" rtl="0">
-              <a:lnSpc>
-                <a:spcPct val="100000"/>
-              </a:lnSpc>
-              <a:spcBef>
-                <a:spcPts val="0"/>
-              </a:spcBef>
-              <a:spcAft>
-                <a:spcPts val="0"/>
-              </a:spcAft>
-              <a:buClr>
-                <a:srgbClr val="562457"/>
-              </a:buClr>
-              <a:buSzPct val="100000"/>
-              <a:buFont typeface="Helvetica Neue"/>
-              <a:buChar char="▫"/>
-              <a:defRPr sz="1800" b="0" i="0" u="none" strike="noStrike" cap="none">
-                <a:solidFill>
-                  <a:srgbClr val="181818"/>
-                </a:solidFill>
-                <a:latin typeface="Helvetica Neue"/>
-                <a:ea typeface="Helvetica Neue"/>
-                <a:cs typeface="Helvetica Neue"/>
-                <a:sym typeface="Helvetica Neue"/>
-              </a:defRPr>
-            </a:lvl2pPr>
-            <a:lvl3pPr marR="0" lvl="2" algn="l" rtl="0">
-              <a:lnSpc>
-                <a:spcPct val="100000"/>
-              </a:lnSpc>
-              <a:spcBef>
-                <a:spcPts val="0"/>
-              </a:spcBef>
-              <a:spcAft>
-                <a:spcPts val="0"/>
-              </a:spcAft>
-              <a:buClr>
-                <a:srgbClr val="562457"/>
-              </a:buClr>
-              <a:buSzPct val="100000"/>
-              <a:buFont typeface="Helvetica Neue"/>
-              <a:buChar char="▸"/>
-              <a:defRPr sz="1800" b="0" i="0" u="none" strike="noStrike" cap="none">
-                <a:solidFill>
-                  <a:srgbClr val="181818"/>
-                </a:solidFill>
-                <a:latin typeface="Helvetica Neue"/>
-                <a:ea typeface="Helvetica Neue"/>
-                <a:cs typeface="Helvetica Neue"/>
-                <a:sym typeface="Helvetica Neue"/>
-              </a:defRPr>
-            </a:lvl3pPr>
-            <a:lvl4pPr marR="0" lvl="3" algn="l" rtl="0">
-              <a:lnSpc>
-                <a:spcPct val="100000"/>
-              </a:lnSpc>
-              <a:spcBef>
-                <a:spcPts val="0"/>
-              </a:spcBef>
-              <a:spcAft>
-                <a:spcPts val="0"/>
-              </a:spcAft>
-              <a:buClr>
-                <a:srgbClr val="562457"/>
-              </a:buClr>
-              <a:buSzPct val="100000"/>
-              <a:buFont typeface="Helvetica Neue"/>
-              <a:buChar char="▹"/>
-              <a:defRPr sz="1800" b="0" i="0" u="none" strike="noStrike" cap="none">
-                <a:solidFill>
-                  <a:srgbClr val="181818"/>
-                </a:solidFill>
-                <a:latin typeface="Helvetica Neue"/>
-                <a:ea typeface="Helvetica Neue"/>
-                <a:cs typeface="Helvetica Neue"/>
-                <a:sym typeface="Helvetica Neue"/>
-              </a:defRPr>
-            </a:lvl4pPr>
-            <a:lvl5pPr marR="0" lvl="4" algn="l" rtl="0">
-              <a:lnSpc>
-                <a:spcPct val="100000"/>
-              </a:lnSpc>
-              <a:spcBef>
-                <a:spcPts val="0"/>
-              </a:spcBef>
-              <a:spcAft>
-                <a:spcPts val="0"/>
-              </a:spcAft>
-              <a:buClr>
-                <a:srgbClr val="562457"/>
-              </a:buClr>
-              <a:buSzPct val="100000"/>
-              <a:buFont typeface="Helvetica Neue"/>
-              <a:buChar char="▹"/>
-              <a:defRPr sz="1800" b="0" i="0" u="none" strike="noStrike" cap="none">
-                <a:solidFill>
-                  <a:srgbClr val="181818"/>
-                </a:solidFill>
-                <a:latin typeface="Helvetica Neue"/>
-                <a:ea typeface="Helvetica Neue"/>
-                <a:cs typeface="Helvetica Neue"/>
-                <a:sym typeface="Helvetica Neue"/>
-              </a:defRPr>
-            </a:lvl5pPr>
-            <a:lvl6pPr marR="0" lvl="5" algn="l" rtl="0">
-              <a:lnSpc>
-                <a:spcPct val="100000"/>
-              </a:lnSpc>
-              <a:spcBef>
-                <a:spcPts val="0"/>
-              </a:spcBef>
-              <a:spcAft>
-                <a:spcPts val="0"/>
-              </a:spcAft>
-              <a:buClr>
-                <a:srgbClr val="562457"/>
-              </a:buClr>
-              <a:buSzPct val="100000"/>
-              <a:buFont typeface="Helvetica Neue"/>
-              <a:buChar char="▹"/>
-              <a:defRPr sz="1800" b="0" i="0" u="none" strike="noStrike" cap="none">
-                <a:solidFill>
-                  <a:srgbClr val="181818"/>
-                </a:solidFill>
-                <a:latin typeface="Helvetica Neue"/>
-                <a:ea typeface="Helvetica Neue"/>
-                <a:cs typeface="Helvetica Neue"/>
-                <a:sym typeface="Helvetica Neue"/>
-              </a:defRPr>
-            </a:lvl6pPr>
-            <a:lvl7pPr marR="0" lvl="6" algn="l" rtl="0">
-              <a:lnSpc>
-                <a:spcPct val="100000"/>
-              </a:lnSpc>
-              <a:spcBef>
-                <a:spcPts val="0"/>
-              </a:spcBef>
-              <a:spcAft>
-                <a:spcPts val="0"/>
-              </a:spcAft>
-              <a:buClr>
-                <a:srgbClr val="562457"/>
-              </a:buClr>
-              <a:buSzPct val="100000"/>
-              <a:buFont typeface="Helvetica Neue"/>
-              <a:buChar char="▹"/>
-              <a:defRPr sz="1800" b="0" i="0" u="none" strike="noStrike" cap="none">
-                <a:solidFill>
-                  <a:srgbClr val="181818"/>
-                </a:solidFill>
-                <a:latin typeface="Helvetica Neue"/>
-                <a:ea typeface="Helvetica Neue"/>
-                <a:cs typeface="Helvetica Neue"/>
-                <a:sym typeface="Helvetica Neue"/>
-              </a:defRPr>
-            </a:lvl7pPr>
-            <a:lvl8pPr marR="0" lvl="7" algn="l" rtl="0">
-              <a:lnSpc>
-                <a:spcPct val="100000"/>
-              </a:lnSpc>
-              <a:spcBef>
-                <a:spcPts val="0"/>
-              </a:spcBef>
-              <a:spcAft>
-                <a:spcPts val="0"/>
-              </a:spcAft>
-              <a:buClr>
-                <a:srgbClr val="562457"/>
-              </a:buClr>
-              <a:buSzPct val="100000"/>
-              <a:buFont typeface="Helvetica Neue"/>
-              <a:buChar char="▹"/>
-              <a:defRPr sz="1800" b="0" i="0" u="none" strike="noStrike" cap="none">
-                <a:solidFill>
-                  <a:srgbClr val="181818"/>
-                </a:solidFill>
-                <a:latin typeface="Helvetica Neue"/>
-                <a:ea typeface="Helvetica Neue"/>
-                <a:cs typeface="Helvetica Neue"/>
-                <a:sym typeface="Helvetica Neue"/>
-              </a:defRPr>
-            </a:lvl8pPr>
-            <a:lvl9pPr marR="0" lvl="8" algn="l" rtl="0">
-              <a:lnSpc>
-                <a:spcPct val="100000"/>
-              </a:lnSpc>
-              <a:spcBef>
-                <a:spcPts val="0"/>
-              </a:spcBef>
-              <a:spcAft>
-                <a:spcPts val="0"/>
-              </a:spcAft>
-              <a:buClr>
-                <a:srgbClr val="562457"/>
-              </a:buClr>
-              <a:buSzPct val="100000"/>
-              <a:buFont typeface="Helvetica Neue"/>
-              <a:buChar char="▹"/>
-              <a:defRPr sz="1800" b="0" i="0" u="none" strike="noStrike" cap="none">
-                <a:solidFill>
-                  <a:srgbClr val="181818"/>
-                </a:solidFill>
-                <a:latin typeface="Helvetica Neue"/>
-                <a:ea typeface="Helvetica Neue"/>
-                <a:cs typeface="Helvetica Neue"/>
-                <a:sym typeface="Helvetica Neue"/>
-              </a:defRPr>
-            </a:lvl9pPr>
-          </a:lstStyle>
-          <a:p>
-            <a:pPr>
-              <a:buNone/>
-            </a:pPr>
-            <a:r>
-              <a:rPr lang="hu-HU" dirty="0"/>
-              <a:t>Mi a kimenetele az alábbi parancsnak:</a:t>
-            </a:r>
-            <a:br>
-              <a:rPr lang="hu-HU" dirty="0"/>
-            </a:br>
-            <a:r>
-              <a:rPr lang="en-GB" b="1" dirty="0">
-                <a:latin typeface="Courier"/>
-              </a:rPr>
-              <a:t>paste0(x[2], y[2], z[2]</a:t>
-            </a:r>
-            <a:r>
-              <a:rPr lang="hu-HU" dirty="0">
-                <a:latin typeface="Courier"/>
-              </a:rPr>
-              <a:t>?</a:t>
-            </a:r>
-          </a:p>
-          <a:p>
-            <a:pPr marL="285750" indent="-285750"/>
-            <a:r>
-              <a:rPr lang="en-GB" dirty="0">
-                <a:latin typeface="Courier"/>
-              </a:rPr>
-              <a:t>Hiba</a:t>
-            </a:r>
-            <a:r>
-              <a:rPr lang="hu-HU" dirty="0">
-                <a:latin typeface="Courier"/>
-              </a:rPr>
-              <a:t>üznet (out of bounds)</a:t>
-            </a:r>
-            <a:endParaRPr lang="en-GB" dirty="0">
-              <a:latin typeface="Courier"/>
-            </a:endParaRPr>
-          </a:p>
-          <a:p>
-            <a:pPr marL="285750" indent="-285750"/>
-            <a:r>
-              <a:rPr lang="en-GB" dirty="0">
-                <a:latin typeface="Courier"/>
-              </a:rPr>
-              <a:t>[1] </a:t>
-            </a:r>
-            <a:r>
-              <a:rPr lang="hu-HU" dirty="0">
-                <a:latin typeface="Courier"/>
-              </a:rPr>
-              <a:t>TRUE </a:t>
-            </a:r>
-            <a:r>
-              <a:rPr lang="en-GB" dirty="0">
-                <a:latin typeface="Courier"/>
-              </a:rPr>
-              <a:t>b 2</a:t>
-            </a:r>
-          </a:p>
-          <a:p>
-            <a:pPr marL="285750" indent="-285750"/>
-            <a:r>
-              <a:rPr lang="en-GB" dirty="0">
-                <a:latin typeface="Courier"/>
-              </a:rPr>
-              <a:t>[1] TRUE list(1, 2) NULL</a:t>
-            </a:r>
-          </a:p>
-        </p:txBody>
-      </p:sp>
-    </p:spTree>
-    <p:extLst>
-      <p:ext uri="{BB962C8B-B14F-4D97-AF65-F5344CB8AC3E}">
-        <p14:creationId xmlns:p14="http://schemas.microsoft.com/office/powerpoint/2010/main" val="3225848000"/>
-      </p:ext>
-    </p:extLst>
-  </p:cSld>
-  <p:clrMapOvr>
-    <a:masterClrMapping/>
-  </p:clrMapOvr>
+  <p:timing>
+    <p:tnLst>
+      <p:par>
+        <p:cTn id="1" dur="indefinite" restart="never" nodeType="tmRoot">
+          <p:childTnLst>
+            <p:seq concurrent="1" nextAc="seek">
+              <p:cTn id="2" dur="indefinite" nodeType="mainSeq">
+                <p:childTnLst>
+                  <p:par>
+                    <p:cTn id="3" fill="hold">
+                      <p:stCondLst>
+                        <p:cond delay="indefinite"/>
+                      </p:stCondLst>
+                      <p:childTnLst>
+                        <p:par>
+                          <p:cTn id="4" fill="hold">
+                            <p:stCondLst>
+                              <p:cond delay="0"/>
+                            </p:stCondLst>
+                            <p:childTnLst>
+                              <p:par>
+                                <p:cTn id="5" presetID="1" presetClass="entr" presetSubtype="0" fill="hold" grpId="0" nodeType="clickEffect">
+                                  <p:stCondLst>
+                                    <p:cond delay="0"/>
+                                  </p:stCondLst>
+                                  <p:childTnLst>
+                                    <p:set>
+                                      <p:cBhvr>
+                                        <p:cTn id="6" dur="1" fill="hold">
+                                          <p:stCondLst>
+                                            <p:cond delay="0"/>
+                                          </p:stCondLst>
+                                        </p:cTn>
+                                        <p:tgtEl>
+                                          <p:spTgt spid="4"/>
+                                        </p:tgtEl>
+                                        <p:attrNameLst>
+                                          <p:attrName>style.visibility</p:attrName>
+                                        </p:attrNameLst>
+                                      </p:cBhvr>
+                                      <p:to>
+                                        <p:strVal val="visible"/>
+                                      </p:to>
+                                    </p:set>
+                                  </p:childTnLst>
+                                </p:cTn>
+                              </p:par>
+                            </p:childTnLst>
+                          </p:cTn>
+                        </p:par>
+                      </p:childTnLst>
+                    </p:cTn>
+                  </p:par>
+                </p:childTnLst>
+              </p:cTn>
+              <p:prevCondLst>
+                <p:cond evt="onPrev" delay="0">
+                  <p:tgtEl>
+                    <p:sldTgt/>
+                  </p:tgtEl>
+                </p:cond>
+              </p:prevCondLst>
+              <p:nextCondLst>
+                <p:cond evt="onNext" delay="0">
+                  <p:tgtEl>
+                    <p:sldTgt/>
+                  </p:tgtEl>
+                </p:cond>
+              </p:nextCondLst>
+            </p:seq>
+          </p:childTnLst>
+        </p:cTn>
+      </p:par>
+    </p:tnLst>
+    <p:bldLst>
+      <p:bldP spid="4" grpId="0"/>
+    </p:bldLst>
+  </p:timing>
 </p:sld>
 </file>
 
@@ -4950,14 +5043,11 @@
               <a:rPr lang="en-GB" b="1" dirty="0">
                 <a:latin typeface="Courier"/>
               </a:rPr>
-              <a:t>paste0(x[[2]], y[[2]], z[[2]]</a:t>
-            </a:r>
-            <a:r>
-              <a:rPr lang="hu-HU" dirty="0">
-                <a:latin typeface="Courier"/>
-              </a:rPr>
-              <a:t>?</a:t>
-            </a:r>
+              <a:t>paste(x[[2]], y[[2]], z[[2]])?</a:t>
+            </a:r>
+            <a:endParaRPr lang="hu-HU" dirty="0">
+              <a:latin typeface="Courier"/>
+            </a:endParaRPr>
           </a:p>
           <a:p>
             <a:pPr marL="285750" indent="-285750"/>
@@ -5007,6 +5097,84 @@
   <p:clrMapOvr>
     <a:masterClrMapping/>
   </p:clrMapOvr>
+  <p:timing>
+    <p:tnLst>
+      <p:par>
+        <p:cTn id="1" dur="indefinite" restart="never" nodeType="tmRoot">
+          <p:childTnLst>
+            <p:seq concurrent="1" nextAc="seek">
+              <p:cTn id="2" dur="indefinite" nodeType="mainSeq">
+                <p:childTnLst>
+                  <p:par>
+                    <p:cTn id="3" fill="hold">
+                      <p:stCondLst>
+                        <p:cond delay="indefinite"/>
+                      </p:stCondLst>
+                      <p:childTnLst>
+                        <p:par>
+                          <p:cTn id="4" fill="hold">
+                            <p:stCondLst>
+                              <p:cond delay="0"/>
+                            </p:stCondLst>
+                            <p:childTnLst>
+                              <p:par>
+                                <p:cTn id="5" presetID="1" presetClass="entr" presetSubtype="0" fill="hold" grpId="0" nodeType="clickEffect">
+                                  <p:stCondLst>
+                                    <p:cond delay="0"/>
+                                  </p:stCondLst>
+                                  <p:childTnLst>
+                                    <p:set>
+                                      <p:cBhvr>
+                                        <p:cTn id="6" dur="1" fill="hold">
+                                          <p:stCondLst>
+                                            <p:cond delay="0"/>
+                                          </p:stCondLst>
+                                        </p:cTn>
+                                        <p:tgtEl>
+                                          <p:spTgt spid="8"/>
+                                        </p:tgtEl>
+                                        <p:attrNameLst>
+                                          <p:attrName>style.visibility</p:attrName>
+                                        </p:attrNameLst>
+                                      </p:cBhvr>
+                                      <p:to>
+                                        <p:strVal val="visible"/>
+                                      </p:to>
+                                    </p:set>
+                                  </p:childTnLst>
+                                </p:cTn>
+                              </p:par>
+                            </p:childTnLst>
+                          </p:cTn>
+                        </p:par>
+                      </p:childTnLst>
+                    </p:cTn>
+                  </p:par>
+                </p:childTnLst>
+              </p:cTn>
+              <p:prevCondLst>
+                <p:cond evt="onPrev" delay="0">
+                  <p:tgtEl>
+                    <p:sldTgt/>
+                  </p:tgtEl>
+                </p:cond>
+              </p:prevCondLst>
+              <p:nextCondLst>
+                <p:cond evt="onNext" delay="0">
+                  <p:tgtEl>
+                    <p:sldTgt/>
+                  </p:tgtEl>
+                </p:cond>
+              </p:nextCondLst>
+            </p:seq>
+          </p:childTnLst>
+        </p:cTn>
+      </p:par>
+    </p:tnLst>
+    <p:bldLst>
+      <p:bldP spid="8" grpId="0"/>
+    </p:bldLst>
+  </p:timing>
 </p:sld>
 </file>
 
@@ -5483,10 +5651,10 @@
       </p:sp>
       <p:sp>
         <p:nvSpPr>
-          <p:cNvPr id="7" name="Text Placeholder 2">
+          <p:cNvPr id="8" name="Text Placeholder 2">
             <a:extLst>
               <a:ext uri="{FF2B5EF4-FFF2-40B4-BE49-F238E27FC236}">
-                <a16:creationId xmlns:a16="http://schemas.microsoft.com/office/drawing/2014/main" id="{53FE2223-C47D-4FEE-93C1-9FA1E24CD41F}"/>
+                <a16:creationId xmlns:a16="http://schemas.microsoft.com/office/drawing/2014/main" id="{5DFB9474-679F-4A86-8010-66A18B503E54}"/>
               </a:ext>
             </a:extLst>
           </p:cNvPr>
@@ -5497,8 +5665,8 @@
         </p:nvSpPr>
         <p:spPr>
           <a:xfrm>
-            <a:off x="59961" y="3717096"/>
-            <a:ext cx="4991724" cy="1072261"/>
+            <a:off x="4839541" y="2272884"/>
+            <a:ext cx="4244498" cy="1438752"/>
           </a:xfrm>
           <a:prstGeom prst="rect">
             <a:avLst/>
@@ -5758,323 +5926,6 @@
             </a:lvl9pPr>
           </a:lstStyle>
           <a:p>
-            <a:r>
-              <a:rPr lang="en-US" dirty="0"/>
-              <a:t> </a:t>
-            </a:r>
-            <a:r>
-              <a:rPr lang="en-US" dirty="0" err="1"/>
-              <a:t>Dataframe-ek</a:t>
-            </a:r>
-            <a:endParaRPr lang="en-US" dirty="0"/>
-          </a:p>
-          <a:p>
-            <a:pPr marL="449263"/>
-            <a:r>
-              <a:rPr lang="hu-HU" dirty="0">
-                <a:latin typeface="Courier"/>
-              </a:rPr>
-              <a:t> x &lt;- </a:t>
-            </a:r>
-            <a:r>
-              <a:rPr lang="en-GB" dirty="0" err="1">
-                <a:latin typeface="Courier"/>
-              </a:rPr>
-              <a:t>data.frame</a:t>
-            </a:r>
-            <a:r>
-              <a:rPr lang="en-GB" dirty="0">
-                <a:latin typeface="Courier"/>
-              </a:rPr>
-              <a:t>(a = c(1, 2, 3),b = c(TRUE, FALSE, FALSE)</a:t>
-            </a:r>
-            <a:endParaRPr lang="en-US" dirty="0">
-              <a:latin typeface="Courier"/>
-            </a:endParaRPr>
-          </a:p>
-          <a:p>
-            <a:pPr marL="509588"/>
-            <a:endParaRPr lang="en-US" dirty="0"/>
-          </a:p>
-        </p:txBody>
-      </p:sp>
-      <p:sp>
-        <p:nvSpPr>
-          <p:cNvPr id="9" name="Text Placeholder 2">
-            <a:extLst>
-              <a:ext uri="{FF2B5EF4-FFF2-40B4-BE49-F238E27FC236}">
-                <a16:creationId xmlns:a16="http://schemas.microsoft.com/office/drawing/2014/main" id="{E967A112-B86B-4B46-B02F-B7E310140286}"/>
-              </a:ext>
-            </a:extLst>
-          </p:cNvPr>
-          <p:cNvSpPr txBox="1">
-            <a:spLocks/>
-          </p:cNvSpPr>
-          <p:nvPr/>
-        </p:nvSpPr>
-        <p:spPr>
-          <a:xfrm>
-            <a:off x="4912031" y="3279492"/>
-            <a:ext cx="4304459" cy="1744480"/>
-          </a:xfrm>
-          <a:prstGeom prst="rect">
-            <a:avLst/>
-          </a:prstGeom>
-          <a:noFill/>
-          <a:ln>
-            <a:noFill/>
-          </a:ln>
-        </p:spPr>
-        <p:txBody>
-          <a:bodyPr lIns="91425" tIns="91425" rIns="91425" bIns="91425" anchor="t" anchorCtr="0"/>
-          <a:lstStyle>
-            <a:defPPr marR="0" lvl="0" algn="l" rtl="0">
-              <a:lnSpc>
-                <a:spcPct val="100000"/>
-              </a:lnSpc>
-              <a:spcBef>
-                <a:spcPts val="0"/>
-              </a:spcBef>
-              <a:spcAft>
-                <a:spcPts val="0"/>
-              </a:spcAft>
-            </a:defPPr>
-            <a:lvl1pPr marR="0" lvl="0" algn="l" rtl="0">
-              <a:lnSpc>
-                <a:spcPct val="100000"/>
-              </a:lnSpc>
-              <a:spcBef>
-                <a:spcPts val="0"/>
-              </a:spcBef>
-              <a:spcAft>
-                <a:spcPts val="0"/>
-              </a:spcAft>
-              <a:buClr>
-                <a:srgbClr val="562457"/>
-              </a:buClr>
-              <a:buSzPct val="100000"/>
-              <a:buFont typeface="Helvetica Neue"/>
-              <a:buChar char="▪"/>
-              <a:defRPr sz="1800" b="0" i="0" u="none" strike="noStrike" cap="none">
-                <a:solidFill>
-                  <a:srgbClr val="181818"/>
-                </a:solidFill>
-                <a:latin typeface="Helvetica Neue"/>
-                <a:ea typeface="Helvetica Neue"/>
-                <a:cs typeface="Helvetica Neue"/>
-                <a:sym typeface="Helvetica Neue"/>
-              </a:defRPr>
-            </a:lvl1pPr>
-            <a:lvl2pPr marR="0" lvl="1" algn="l" rtl="0">
-              <a:lnSpc>
-                <a:spcPct val="100000"/>
-              </a:lnSpc>
-              <a:spcBef>
-                <a:spcPts val="0"/>
-              </a:spcBef>
-              <a:spcAft>
-                <a:spcPts val="0"/>
-              </a:spcAft>
-              <a:buClr>
-                <a:srgbClr val="562457"/>
-              </a:buClr>
-              <a:buSzPct val="100000"/>
-              <a:buFont typeface="Helvetica Neue"/>
-              <a:buChar char="▫"/>
-              <a:defRPr sz="1800" b="0" i="0" u="none" strike="noStrike" cap="none">
-                <a:solidFill>
-                  <a:srgbClr val="181818"/>
-                </a:solidFill>
-                <a:latin typeface="Helvetica Neue"/>
-                <a:ea typeface="Helvetica Neue"/>
-                <a:cs typeface="Helvetica Neue"/>
-                <a:sym typeface="Helvetica Neue"/>
-              </a:defRPr>
-            </a:lvl2pPr>
-            <a:lvl3pPr marR="0" lvl="2" algn="l" rtl="0">
-              <a:lnSpc>
-                <a:spcPct val="100000"/>
-              </a:lnSpc>
-              <a:spcBef>
-                <a:spcPts val="0"/>
-              </a:spcBef>
-              <a:spcAft>
-                <a:spcPts val="0"/>
-              </a:spcAft>
-              <a:buClr>
-                <a:srgbClr val="562457"/>
-              </a:buClr>
-              <a:buSzPct val="100000"/>
-              <a:buFont typeface="Helvetica Neue"/>
-              <a:buChar char="▸"/>
-              <a:defRPr sz="1800" b="0" i="0" u="none" strike="noStrike" cap="none">
-                <a:solidFill>
-                  <a:srgbClr val="181818"/>
-                </a:solidFill>
-                <a:latin typeface="Helvetica Neue"/>
-                <a:ea typeface="Helvetica Neue"/>
-                <a:cs typeface="Helvetica Neue"/>
-                <a:sym typeface="Helvetica Neue"/>
-              </a:defRPr>
-            </a:lvl3pPr>
-            <a:lvl4pPr marR="0" lvl="3" algn="l" rtl="0">
-              <a:lnSpc>
-                <a:spcPct val="100000"/>
-              </a:lnSpc>
-              <a:spcBef>
-                <a:spcPts val="0"/>
-              </a:spcBef>
-              <a:spcAft>
-                <a:spcPts val="0"/>
-              </a:spcAft>
-              <a:buClr>
-                <a:srgbClr val="562457"/>
-              </a:buClr>
-              <a:buSzPct val="100000"/>
-              <a:buFont typeface="Helvetica Neue"/>
-              <a:buChar char="▹"/>
-              <a:defRPr sz="1800" b="0" i="0" u="none" strike="noStrike" cap="none">
-                <a:solidFill>
-                  <a:srgbClr val="181818"/>
-                </a:solidFill>
-                <a:latin typeface="Helvetica Neue"/>
-                <a:ea typeface="Helvetica Neue"/>
-                <a:cs typeface="Helvetica Neue"/>
-                <a:sym typeface="Helvetica Neue"/>
-              </a:defRPr>
-            </a:lvl4pPr>
-            <a:lvl5pPr marR="0" lvl="4" algn="l" rtl="0">
-              <a:lnSpc>
-                <a:spcPct val="100000"/>
-              </a:lnSpc>
-              <a:spcBef>
-                <a:spcPts val="0"/>
-              </a:spcBef>
-              <a:spcAft>
-                <a:spcPts val="0"/>
-              </a:spcAft>
-              <a:buClr>
-                <a:srgbClr val="562457"/>
-              </a:buClr>
-              <a:buSzPct val="100000"/>
-              <a:buFont typeface="Helvetica Neue"/>
-              <a:buChar char="▹"/>
-              <a:defRPr sz="1800" b="0" i="0" u="none" strike="noStrike" cap="none">
-                <a:solidFill>
-                  <a:srgbClr val="181818"/>
-                </a:solidFill>
-                <a:latin typeface="Helvetica Neue"/>
-                <a:ea typeface="Helvetica Neue"/>
-                <a:cs typeface="Helvetica Neue"/>
-                <a:sym typeface="Helvetica Neue"/>
-              </a:defRPr>
-            </a:lvl5pPr>
-            <a:lvl6pPr marR="0" lvl="5" algn="l" rtl="0">
-              <a:lnSpc>
-                <a:spcPct val="100000"/>
-              </a:lnSpc>
-              <a:spcBef>
-                <a:spcPts val="0"/>
-              </a:spcBef>
-              <a:spcAft>
-                <a:spcPts val="0"/>
-              </a:spcAft>
-              <a:buClr>
-                <a:srgbClr val="562457"/>
-              </a:buClr>
-              <a:buSzPct val="100000"/>
-              <a:buFont typeface="Helvetica Neue"/>
-              <a:buChar char="▹"/>
-              <a:defRPr sz="1800" b="0" i="0" u="none" strike="noStrike" cap="none">
-                <a:solidFill>
-                  <a:srgbClr val="181818"/>
-                </a:solidFill>
-                <a:latin typeface="Helvetica Neue"/>
-                <a:ea typeface="Helvetica Neue"/>
-                <a:cs typeface="Helvetica Neue"/>
-                <a:sym typeface="Helvetica Neue"/>
-              </a:defRPr>
-            </a:lvl6pPr>
-            <a:lvl7pPr marR="0" lvl="6" algn="l" rtl="0">
-              <a:lnSpc>
-                <a:spcPct val="100000"/>
-              </a:lnSpc>
-              <a:spcBef>
-                <a:spcPts val="0"/>
-              </a:spcBef>
-              <a:spcAft>
-                <a:spcPts val="0"/>
-              </a:spcAft>
-              <a:buClr>
-                <a:srgbClr val="562457"/>
-              </a:buClr>
-              <a:buSzPct val="100000"/>
-              <a:buFont typeface="Helvetica Neue"/>
-              <a:buChar char="▹"/>
-              <a:defRPr sz="1800" b="0" i="0" u="none" strike="noStrike" cap="none">
-                <a:solidFill>
-                  <a:srgbClr val="181818"/>
-                </a:solidFill>
-                <a:latin typeface="Helvetica Neue"/>
-                <a:ea typeface="Helvetica Neue"/>
-                <a:cs typeface="Helvetica Neue"/>
-                <a:sym typeface="Helvetica Neue"/>
-              </a:defRPr>
-            </a:lvl7pPr>
-            <a:lvl8pPr marR="0" lvl="7" algn="l" rtl="0">
-              <a:lnSpc>
-                <a:spcPct val="100000"/>
-              </a:lnSpc>
-              <a:spcBef>
-                <a:spcPts val="0"/>
-              </a:spcBef>
-              <a:spcAft>
-                <a:spcPts val="0"/>
-              </a:spcAft>
-              <a:buClr>
-                <a:srgbClr val="562457"/>
-              </a:buClr>
-              <a:buSzPct val="100000"/>
-              <a:buFont typeface="Helvetica Neue"/>
-              <a:buChar char="▹"/>
-              <a:defRPr sz="1800" b="0" i="0" u="none" strike="noStrike" cap="none">
-                <a:solidFill>
-                  <a:srgbClr val="181818"/>
-                </a:solidFill>
-                <a:latin typeface="Helvetica Neue"/>
-                <a:ea typeface="Helvetica Neue"/>
-                <a:cs typeface="Helvetica Neue"/>
-                <a:sym typeface="Helvetica Neue"/>
-              </a:defRPr>
-            </a:lvl8pPr>
-            <a:lvl9pPr marR="0" lvl="8" algn="l" rtl="0">
-              <a:lnSpc>
-                <a:spcPct val="100000"/>
-              </a:lnSpc>
-              <a:spcBef>
-                <a:spcPts val="0"/>
-              </a:spcBef>
-              <a:spcAft>
-                <a:spcPts val="0"/>
-              </a:spcAft>
-              <a:buClr>
-                <a:srgbClr val="562457"/>
-              </a:buClr>
-              <a:buSzPct val="100000"/>
-              <a:buFont typeface="Helvetica Neue"/>
-              <a:buChar char="▹"/>
-              <a:defRPr sz="1800" b="0" i="0" u="none" strike="noStrike" cap="none">
-                <a:solidFill>
-                  <a:srgbClr val="181818"/>
-                </a:solidFill>
-                <a:latin typeface="Helvetica Neue"/>
-                <a:ea typeface="Helvetica Neue"/>
-                <a:cs typeface="Helvetica Neue"/>
-                <a:sym typeface="Helvetica Neue"/>
-              </a:defRPr>
-            </a:lvl9pPr>
-          </a:lstStyle>
-          <a:p>
             <a:pPr>
               <a:buNone/>
             </a:pPr>
@@ -6089,7 +5940,7 @@
               <a:rPr lang="en-GB" b="1" dirty="0">
                 <a:latin typeface="Courier"/>
               </a:rPr>
-              <a:t>paste0(x[[1]][1], x[[2]][2])</a:t>
+              <a:t>paste (x[2], y[2], z[2]</a:t>
             </a:r>
             <a:r>
               <a:rPr lang="hu-HU" dirty="0">
@@ -6122,7 +5973,19 @@
               <a:rPr lang="en-GB" dirty="0">
                 <a:latin typeface="Courier"/>
               </a:rPr>
-              <a:t>[1] 1 TRUE</a:t>
+              <a:t>[1] </a:t>
+            </a:r>
+            <a:r>
+              <a:rPr lang="hu-HU" dirty="0">
+                <a:latin typeface="Courier"/>
+              </a:rPr>
+              <a:t>TRUE </a:t>
+            </a:r>
+            <a:r>
+              <a:rPr lang="en-GB" dirty="0">
+                <a:latin typeface="Courier"/>
+              </a:rPr>
+              <a:t>b 2</a:t>
             </a:r>
           </a:p>
           <a:p>
@@ -6131,7 +5994,7 @@
               <a:rPr lang="en-GB" dirty="0">
                 <a:latin typeface="Courier"/>
               </a:rPr>
-              <a:t>[1] list(1, 2), list(TRUE, FALSE)</a:t>
+              <a:t>[1] TRUE list(1, 2) NULL</a:t>
             </a:r>
           </a:p>
         </p:txBody>
@@ -6139,7 +6002,7 @@
     </p:spTree>
     <p:extLst>
       <p:ext uri="{BB962C8B-B14F-4D97-AF65-F5344CB8AC3E}">
-        <p14:creationId xmlns:p14="http://schemas.microsoft.com/office/powerpoint/2010/main" val="188437065"/>
+        <p14:creationId xmlns:p14="http://schemas.microsoft.com/office/powerpoint/2010/main" val="3225848000"/>
       </p:ext>
     </p:extLst>
   </p:cSld>
@@ -6188,6 +6051,1223 @@
           <a:p>
             <a:r>
               <a:rPr lang="hu-HU" dirty="0"/>
+              <a:t>Mik a leggyakrabban használt adatszerkezetek?</a:t>
+            </a:r>
+            <a:endParaRPr lang="en-US" dirty="0"/>
+          </a:p>
+        </p:txBody>
+      </p:sp>
+      <p:sp>
+        <p:nvSpPr>
+          <p:cNvPr id="3" name="Text Placeholder 2"/>
+          <p:cNvSpPr>
+            <a:spLocks noGrp="1"/>
+          </p:cNvSpPr>
+          <p:nvPr>
+            <p:ph type="body" idx="1"/>
+          </p:nvPr>
+        </p:nvSpPr>
+        <p:spPr>
+          <a:xfrm>
+            <a:off x="59961" y="851940"/>
+            <a:ext cx="4852070" cy="2013216"/>
+          </a:xfrm>
+        </p:spPr>
+        <p:txBody>
+          <a:bodyPr/>
+          <a:lstStyle/>
+          <a:p>
+            <a:r>
+              <a:rPr lang="en-US" dirty="0"/>
+              <a:t> </a:t>
+            </a:r>
+            <a:r>
+              <a:rPr lang="hu-HU" dirty="0"/>
+              <a:t>Vektorok</a:t>
+            </a:r>
+            <a:endParaRPr lang="en-US" dirty="0"/>
+          </a:p>
+          <a:p>
+            <a:pPr marL="509588"/>
+            <a:r>
+              <a:rPr lang="en-US" dirty="0"/>
+              <a:t> </a:t>
+            </a:r>
+            <a:r>
+              <a:rPr lang="en-GB" dirty="0">
+                <a:latin typeface="Courier"/>
+              </a:rPr>
+              <a:t>x</a:t>
+            </a:r>
+            <a:r>
+              <a:rPr lang="hu-HU" dirty="0">
+                <a:latin typeface="Courier"/>
+              </a:rPr>
+              <a:t> </a:t>
+            </a:r>
+            <a:r>
+              <a:rPr lang="en-GB" dirty="0">
+                <a:latin typeface="Courier"/>
+              </a:rPr>
+              <a:t>&lt;- c(1, 2, 3)</a:t>
+            </a:r>
+          </a:p>
+          <a:p>
+            <a:pPr marL="509588"/>
+            <a:r>
+              <a:rPr lang="en-GB" dirty="0">
+                <a:latin typeface="Courier"/>
+              </a:rPr>
+              <a:t> y &lt;- c(“</a:t>
+            </a:r>
+            <a:r>
+              <a:rPr lang="en-GB" dirty="0" err="1">
+                <a:latin typeface="Courier"/>
+              </a:rPr>
+              <a:t>Jancsi</a:t>
+            </a:r>
+            <a:r>
+              <a:rPr lang="en-GB" dirty="0">
+                <a:latin typeface="Courier"/>
+              </a:rPr>
+              <a:t>”, “</a:t>
+            </a:r>
+            <a:r>
+              <a:rPr lang="en-GB" dirty="0" err="1">
+                <a:latin typeface="Courier"/>
+              </a:rPr>
+              <a:t>Juliska</a:t>
+            </a:r>
+            <a:r>
+              <a:rPr lang="en-GB" dirty="0">
+                <a:latin typeface="Courier"/>
+              </a:rPr>
+              <a:t>”)</a:t>
+            </a:r>
+          </a:p>
+          <a:p>
+            <a:pPr marL="509588"/>
+            <a:r>
+              <a:rPr lang="en-US" dirty="0">
+                <a:latin typeface="Courier"/>
+              </a:rPr>
+              <a:t> z &lt;- c(TRUE, FALSE) </a:t>
+            </a:r>
+          </a:p>
+          <a:p>
+            <a:pPr marL="509588"/>
+            <a:endParaRPr lang="en-US" dirty="0"/>
+          </a:p>
+        </p:txBody>
+      </p:sp>
+      <p:sp>
+        <p:nvSpPr>
+          <p:cNvPr id="5" name="Text Placeholder 2">
+            <a:extLst>
+              <a:ext uri="{FF2B5EF4-FFF2-40B4-BE49-F238E27FC236}">
+                <a16:creationId xmlns:a16="http://schemas.microsoft.com/office/drawing/2014/main" id="{0A3A7E71-18E3-46D6-9588-8B737823B2A9}"/>
+              </a:ext>
+            </a:extLst>
+          </p:cNvPr>
+          <p:cNvSpPr txBox="1">
+            <a:spLocks/>
+          </p:cNvSpPr>
+          <p:nvPr/>
+        </p:nvSpPr>
+        <p:spPr>
+          <a:xfrm>
+            <a:off x="59961" y="2272884"/>
+            <a:ext cx="4721902" cy="2013216"/>
+          </a:xfrm>
+          <a:prstGeom prst="rect">
+            <a:avLst/>
+          </a:prstGeom>
+          <a:noFill/>
+          <a:ln>
+            <a:noFill/>
+          </a:ln>
+        </p:spPr>
+        <p:txBody>
+          <a:bodyPr lIns="91425" tIns="91425" rIns="91425" bIns="91425" anchor="t" anchorCtr="0"/>
+          <a:lstStyle>
+            <a:defPPr marR="0" lvl="0" algn="l" rtl="0">
+              <a:lnSpc>
+                <a:spcPct val="100000"/>
+              </a:lnSpc>
+              <a:spcBef>
+                <a:spcPts val="0"/>
+              </a:spcBef>
+              <a:spcAft>
+                <a:spcPts val="0"/>
+              </a:spcAft>
+            </a:defPPr>
+            <a:lvl1pPr marR="0" lvl="0" algn="l" rtl="0">
+              <a:lnSpc>
+                <a:spcPct val="100000"/>
+              </a:lnSpc>
+              <a:spcBef>
+                <a:spcPts val="0"/>
+              </a:spcBef>
+              <a:spcAft>
+                <a:spcPts val="0"/>
+              </a:spcAft>
+              <a:buClr>
+                <a:srgbClr val="562457"/>
+              </a:buClr>
+              <a:buSzPct val="100000"/>
+              <a:buFont typeface="Helvetica Neue"/>
+              <a:buChar char="▪"/>
+              <a:defRPr sz="1800" b="0" i="0" u="none" strike="noStrike" cap="none">
+                <a:solidFill>
+                  <a:srgbClr val="181818"/>
+                </a:solidFill>
+                <a:latin typeface="Helvetica Neue"/>
+                <a:ea typeface="Helvetica Neue"/>
+                <a:cs typeface="Helvetica Neue"/>
+                <a:sym typeface="Helvetica Neue"/>
+              </a:defRPr>
+            </a:lvl1pPr>
+            <a:lvl2pPr marR="0" lvl="1" algn="l" rtl="0">
+              <a:lnSpc>
+                <a:spcPct val="100000"/>
+              </a:lnSpc>
+              <a:spcBef>
+                <a:spcPts val="0"/>
+              </a:spcBef>
+              <a:spcAft>
+                <a:spcPts val="0"/>
+              </a:spcAft>
+              <a:buClr>
+                <a:srgbClr val="562457"/>
+              </a:buClr>
+              <a:buSzPct val="100000"/>
+              <a:buFont typeface="Helvetica Neue"/>
+              <a:buChar char="▫"/>
+              <a:defRPr sz="1800" b="0" i="0" u="none" strike="noStrike" cap="none">
+                <a:solidFill>
+                  <a:srgbClr val="181818"/>
+                </a:solidFill>
+                <a:latin typeface="Helvetica Neue"/>
+                <a:ea typeface="Helvetica Neue"/>
+                <a:cs typeface="Helvetica Neue"/>
+                <a:sym typeface="Helvetica Neue"/>
+              </a:defRPr>
+            </a:lvl2pPr>
+            <a:lvl3pPr marR="0" lvl="2" algn="l" rtl="0">
+              <a:lnSpc>
+                <a:spcPct val="100000"/>
+              </a:lnSpc>
+              <a:spcBef>
+                <a:spcPts val="0"/>
+              </a:spcBef>
+              <a:spcAft>
+                <a:spcPts val="0"/>
+              </a:spcAft>
+              <a:buClr>
+                <a:srgbClr val="562457"/>
+              </a:buClr>
+              <a:buSzPct val="100000"/>
+              <a:buFont typeface="Helvetica Neue"/>
+              <a:buChar char="▸"/>
+              <a:defRPr sz="1800" b="0" i="0" u="none" strike="noStrike" cap="none">
+                <a:solidFill>
+                  <a:srgbClr val="181818"/>
+                </a:solidFill>
+                <a:latin typeface="Helvetica Neue"/>
+                <a:ea typeface="Helvetica Neue"/>
+                <a:cs typeface="Helvetica Neue"/>
+                <a:sym typeface="Helvetica Neue"/>
+              </a:defRPr>
+            </a:lvl3pPr>
+            <a:lvl4pPr marR="0" lvl="3" algn="l" rtl="0">
+              <a:lnSpc>
+                <a:spcPct val="100000"/>
+              </a:lnSpc>
+              <a:spcBef>
+                <a:spcPts val="0"/>
+              </a:spcBef>
+              <a:spcAft>
+                <a:spcPts val="0"/>
+              </a:spcAft>
+              <a:buClr>
+                <a:srgbClr val="562457"/>
+              </a:buClr>
+              <a:buSzPct val="100000"/>
+              <a:buFont typeface="Helvetica Neue"/>
+              <a:buChar char="▹"/>
+              <a:defRPr sz="1800" b="0" i="0" u="none" strike="noStrike" cap="none">
+                <a:solidFill>
+                  <a:srgbClr val="181818"/>
+                </a:solidFill>
+                <a:latin typeface="Helvetica Neue"/>
+                <a:ea typeface="Helvetica Neue"/>
+                <a:cs typeface="Helvetica Neue"/>
+                <a:sym typeface="Helvetica Neue"/>
+              </a:defRPr>
+            </a:lvl4pPr>
+            <a:lvl5pPr marR="0" lvl="4" algn="l" rtl="0">
+              <a:lnSpc>
+                <a:spcPct val="100000"/>
+              </a:lnSpc>
+              <a:spcBef>
+                <a:spcPts val="0"/>
+              </a:spcBef>
+              <a:spcAft>
+                <a:spcPts val="0"/>
+              </a:spcAft>
+              <a:buClr>
+                <a:srgbClr val="562457"/>
+              </a:buClr>
+              <a:buSzPct val="100000"/>
+              <a:buFont typeface="Helvetica Neue"/>
+              <a:buChar char="▹"/>
+              <a:defRPr sz="1800" b="0" i="0" u="none" strike="noStrike" cap="none">
+                <a:solidFill>
+                  <a:srgbClr val="181818"/>
+                </a:solidFill>
+                <a:latin typeface="Helvetica Neue"/>
+                <a:ea typeface="Helvetica Neue"/>
+                <a:cs typeface="Helvetica Neue"/>
+                <a:sym typeface="Helvetica Neue"/>
+              </a:defRPr>
+            </a:lvl5pPr>
+            <a:lvl6pPr marR="0" lvl="5" algn="l" rtl="0">
+              <a:lnSpc>
+                <a:spcPct val="100000"/>
+              </a:lnSpc>
+              <a:spcBef>
+                <a:spcPts val="0"/>
+              </a:spcBef>
+              <a:spcAft>
+                <a:spcPts val="0"/>
+              </a:spcAft>
+              <a:buClr>
+                <a:srgbClr val="562457"/>
+              </a:buClr>
+              <a:buSzPct val="100000"/>
+              <a:buFont typeface="Helvetica Neue"/>
+              <a:buChar char="▹"/>
+              <a:defRPr sz="1800" b="0" i="0" u="none" strike="noStrike" cap="none">
+                <a:solidFill>
+                  <a:srgbClr val="181818"/>
+                </a:solidFill>
+                <a:latin typeface="Helvetica Neue"/>
+                <a:ea typeface="Helvetica Neue"/>
+                <a:cs typeface="Helvetica Neue"/>
+                <a:sym typeface="Helvetica Neue"/>
+              </a:defRPr>
+            </a:lvl6pPr>
+            <a:lvl7pPr marR="0" lvl="6" algn="l" rtl="0">
+              <a:lnSpc>
+                <a:spcPct val="100000"/>
+              </a:lnSpc>
+              <a:spcBef>
+                <a:spcPts val="0"/>
+              </a:spcBef>
+              <a:spcAft>
+                <a:spcPts val="0"/>
+              </a:spcAft>
+              <a:buClr>
+                <a:srgbClr val="562457"/>
+              </a:buClr>
+              <a:buSzPct val="100000"/>
+              <a:buFont typeface="Helvetica Neue"/>
+              <a:buChar char="▹"/>
+              <a:defRPr sz="1800" b="0" i="0" u="none" strike="noStrike" cap="none">
+                <a:solidFill>
+                  <a:srgbClr val="181818"/>
+                </a:solidFill>
+                <a:latin typeface="Helvetica Neue"/>
+                <a:ea typeface="Helvetica Neue"/>
+                <a:cs typeface="Helvetica Neue"/>
+                <a:sym typeface="Helvetica Neue"/>
+              </a:defRPr>
+            </a:lvl7pPr>
+            <a:lvl8pPr marR="0" lvl="7" algn="l" rtl="0">
+              <a:lnSpc>
+                <a:spcPct val="100000"/>
+              </a:lnSpc>
+              <a:spcBef>
+                <a:spcPts val="0"/>
+              </a:spcBef>
+              <a:spcAft>
+                <a:spcPts val="0"/>
+              </a:spcAft>
+              <a:buClr>
+                <a:srgbClr val="562457"/>
+              </a:buClr>
+              <a:buSzPct val="100000"/>
+              <a:buFont typeface="Helvetica Neue"/>
+              <a:buChar char="▹"/>
+              <a:defRPr sz="1800" b="0" i="0" u="none" strike="noStrike" cap="none">
+                <a:solidFill>
+                  <a:srgbClr val="181818"/>
+                </a:solidFill>
+                <a:latin typeface="Helvetica Neue"/>
+                <a:ea typeface="Helvetica Neue"/>
+                <a:cs typeface="Helvetica Neue"/>
+                <a:sym typeface="Helvetica Neue"/>
+              </a:defRPr>
+            </a:lvl8pPr>
+            <a:lvl9pPr marR="0" lvl="8" algn="l" rtl="0">
+              <a:lnSpc>
+                <a:spcPct val="100000"/>
+              </a:lnSpc>
+              <a:spcBef>
+                <a:spcPts val="0"/>
+              </a:spcBef>
+              <a:spcAft>
+                <a:spcPts val="0"/>
+              </a:spcAft>
+              <a:buClr>
+                <a:srgbClr val="562457"/>
+              </a:buClr>
+              <a:buSzPct val="100000"/>
+              <a:buFont typeface="Helvetica Neue"/>
+              <a:buChar char="▹"/>
+              <a:defRPr sz="1800" b="0" i="0" u="none" strike="noStrike" cap="none">
+                <a:solidFill>
+                  <a:srgbClr val="181818"/>
+                </a:solidFill>
+                <a:latin typeface="Helvetica Neue"/>
+                <a:ea typeface="Helvetica Neue"/>
+                <a:cs typeface="Helvetica Neue"/>
+                <a:sym typeface="Helvetica Neue"/>
+              </a:defRPr>
+            </a:lvl9pPr>
+          </a:lstStyle>
+          <a:p>
+            <a:r>
+              <a:rPr lang="en-US" dirty="0"/>
+              <a:t> </a:t>
+            </a:r>
+            <a:r>
+              <a:rPr lang="hu-HU" dirty="0"/>
+              <a:t>Listák</a:t>
+            </a:r>
+            <a:endParaRPr lang="en-US" dirty="0"/>
+          </a:p>
+          <a:p>
+            <a:pPr marL="509588"/>
+            <a:r>
+              <a:rPr lang="hu-HU" dirty="0">
+                <a:latin typeface="Courier"/>
+              </a:rPr>
+              <a:t> x &lt;- list(„a”, TRUE, 1)</a:t>
+            </a:r>
+          </a:p>
+          <a:p>
+            <a:pPr marL="509588"/>
+            <a:r>
+              <a:rPr lang="hu-HU" dirty="0">
+                <a:latin typeface="Courier"/>
+              </a:rPr>
+              <a:t> y &lt;- list(list(„a”, „b”), 		  list(1, 2))</a:t>
+            </a:r>
+          </a:p>
+          <a:p>
+            <a:pPr marL="509588"/>
+            <a:r>
+              <a:rPr lang="hu-HU" dirty="0">
+                <a:latin typeface="Courier"/>
+              </a:rPr>
+              <a:t> z &lt;- list(„a” = c(1, 2, 3))</a:t>
+            </a:r>
+            <a:endParaRPr lang="en-US" dirty="0">
+              <a:latin typeface="Courier"/>
+            </a:endParaRPr>
+          </a:p>
+          <a:p>
+            <a:pPr marL="509588"/>
+            <a:endParaRPr lang="en-US" dirty="0"/>
+          </a:p>
+        </p:txBody>
+      </p:sp>
+      <p:sp>
+        <p:nvSpPr>
+          <p:cNvPr id="7" name="Text Placeholder 2">
+            <a:extLst>
+              <a:ext uri="{FF2B5EF4-FFF2-40B4-BE49-F238E27FC236}">
+                <a16:creationId xmlns:a16="http://schemas.microsoft.com/office/drawing/2014/main" id="{53FE2223-C47D-4FEE-93C1-9FA1E24CD41F}"/>
+              </a:ext>
+            </a:extLst>
+          </p:cNvPr>
+          <p:cNvSpPr txBox="1">
+            <a:spLocks/>
+          </p:cNvSpPr>
+          <p:nvPr/>
+        </p:nvSpPr>
+        <p:spPr>
+          <a:xfrm>
+            <a:off x="59961" y="3717096"/>
+            <a:ext cx="4991724" cy="1072261"/>
+          </a:xfrm>
+          <a:prstGeom prst="rect">
+            <a:avLst/>
+          </a:prstGeom>
+          <a:noFill/>
+          <a:ln>
+            <a:noFill/>
+          </a:ln>
+        </p:spPr>
+        <p:txBody>
+          <a:bodyPr lIns="91425" tIns="91425" rIns="91425" bIns="91425" anchor="t" anchorCtr="0"/>
+          <a:lstStyle>
+            <a:defPPr marR="0" lvl="0" algn="l" rtl="0">
+              <a:lnSpc>
+                <a:spcPct val="100000"/>
+              </a:lnSpc>
+              <a:spcBef>
+                <a:spcPts val="0"/>
+              </a:spcBef>
+              <a:spcAft>
+                <a:spcPts val="0"/>
+              </a:spcAft>
+            </a:defPPr>
+            <a:lvl1pPr marR="0" lvl="0" algn="l" rtl="0">
+              <a:lnSpc>
+                <a:spcPct val="100000"/>
+              </a:lnSpc>
+              <a:spcBef>
+                <a:spcPts val="0"/>
+              </a:spcBef>
+              <a:spcAft>
+                <a:spcPts val="0"/>
+              </a:spcAft>
+              <a:buClr>
+                <a:srgbClr val="562457"/>
+              </a:buClr>
+              <a:buSzPct val="100000"/>
+              <a:buFont typeface="Helvetica Neue"/>
+              <a:buChar char="▪"/>
+              <a:defRPr sz="1800" b="0" i="0" u="none" strike="noStrike" cap="none">
+                <a:solidFill>
+                  <a:srgbClr val="181818"/>
+                </a:solidFill>
+                <a:latin typeface="Helvetica Neue"/>
+                <a:ea typeface="Helvetica Neue"/>
+                <a:cs typeface="Helvetica Neue"/>
+                <a:sym typeface="Helvetica Neue"/>
+              </a:defRPr>
+            </a:lvl1pPr>
+            <a:lvl2pPr marR="0" lvl="1" algn="l" rtl="0">
+              <a:lnSpc>
+                <a:spcPct val="100000"/>
+              </a:lnSpc>
+              <a:spcBef>
+                <a:spcPts val="0"/>
+              </a:spcBef>
+              <a:spcAft>
+                <a:spcPts val="0"/>
+              </a:spcAft>
+              <a:buClr>
+                <a:srgbClr val="562457"/>
+              </a:buClr>
+              <a:buSzPct val="100000"/>
+              <a:buFont typeface="Helvetica Neue"/>
+              <a:buChar char="▫"/>
+              <a:defRPr sz="1800" b="0" i="0" u="none" strike="noStrike" cap="none">
+                <a:solidFill>
+                  <a:srgbClr val="181818"/>
+                </a:solidFill>
+                <a:latin typeface="Helvetica Neue"/>
+                <a:ea typeface="Helvetica Neue"/>
+                <a:cs typeface="Helvetica Neue"/>
+                <a:sym typeface="Helvetica Neue"/>
+              </a:defRPr>
+            </a:lvl2pPr>
+            <a:lvl3pPr marR="0" lvl="2" algn="l" rtl="0">
+              <a:lnSpc>
+                <a:spcPct val="100000"/>
+              </a:lnSpc>
+              <a:spcBef>
+                <a:spcPts val="0"/>
+              </a:spcBef>
+              <a:spcAft>
+                <a:spcPts val="0"/>
+              </a:spcAft>
+              <a:buClr>
+                <a:srgbClr val="562457"/>
+              </a:buClr>
+              <a:buSzPct val="100000"/>
+              <a:buFont typeface="Helvetica Neue"/>
+              <a:buChar char="▸"/>
+              <a:defRPr sz="1800" b="0" i="0" u="none" strike="noStrike" cap="none">
+                <a:solidFill>
+                  <a:srgbClr val="181818"/>
+                </a:solidFill>
+                <a:latin typeface="Helvetica Neue"/>
+                <a:ea typeface="Helvetica Neue"/>
+                <a:cs typeface="Helvetica Neue"/>
+                <a:sym typeface="Helvetica Neue"/>
+              </a:defRPr>
+            </a:lvl3pPr>
+            <a:lvl4pPr marR="0" lvl="3" algn="l" rtl="0">
+              <a:lnSpc>
+                <a:spcPct val="100000"/>
+              </a:lnSpc>
+              <a:spcBef>
+                <a:spcPts val="0"/>
+              </a:spcBef>
+              <a:spcAft>
+                <a:spcPts val="0"/>
+              </a:spcAft>
+              <a:buClr>
+                <a:srgbClr val="562457"/>
+              </a:buClr>
+              <a:buSzPct val="100000"/>
+              <a:buFont typeface="Helvetica Neue"/>
+              <a:buChar char="▹"/>
+              <a:defRPr sz="1800" b="0" i="0" u="none" strike="noStrike" cap="none">
+                <a:solidFill>
+                  <a:srgbClr val="181818"/>
+                </a:solidFill>
+                <a:latin typeface="Helvetica Neue"/>
+                <a:ea typeface="Helvetica Neue"/>
+                <a:cs typeface="Helvetica Neue"/>
+                <a:sym typeface="Helvetica Neue"/>
+              </a:defRPr>
+            </a:lvl4pPr>
+            <a:lvl5pPr marR="0" lvl="4" algn="l" rtl="0">
+              <a:lnSpc>
+                <a:spcPct val="100000"/>
+              </a:lnSpc>
+              <a:spcBef>
+                <a:spcPts val="0"/>
+              </a:spcBef>
+              <a:spcAft>
+                <a:spcPts val="0"/>
+              </a:spcAft>
+              <a:buClr>
+                <a:srgbClr val="562457"/>
+              </a:buClr>
+              <a:buSzPct val="100000"/>
+              <a:buFont typeface="Helvetica Neue"/>
+              <a:buChar char="▹"/>
+              <a:defRPr sz="1800" b="0" i="0" u="none" strike="noStrike" cap="none">
+                <a:solidFill>
+                  <a:srgbClr val="181818"/>
+                </a:solidFill>
+                <a:latin typeface="Helvetica Neue"/>
+                <a:ea typeface="Helvetica Neue"/>
+                <a:cs typeface="Helvetica Neue"/>
+                <a:sym typeface="Helvetica Neue"/>
+              </a:defRPr>
+            </a:lvl5pPr>
+            <a:lvl6pPr marR="0" lvl="5" algn="l" rtl="0">
+              <a:lnSpc>
+                <a:spcPct val="100000"/>
+              </a:lnSpc>
+              <a:spcBef>
+                <a:spcPts val="0"/>
+              </a:spcBef>
+              <a:spcAft>
+                <a:spcPts val="0"/>
+              </a:spcAft>
+              <a:buClr>
+                <a:srgbClr val="562457"/>
+              </a:buClr>
+              <a:buSzPct val="100000"/>
+              <a:buFont typeface="Helvetica Neue"/>
+              <a:buChar char="▹"/>
+              <a:defRPr sz="1800" b="0" i="0" u="none" strike="noStrike" cap="none">
+                <a:solidFill>
+                  <a:srgbClr val="181818"/>
+                </a:solidFill>
+                <a:latin typeface="Helvetica Neue"/>
+                <a:ea typeface="Helvetica Neue"/>
+                <a:cs typeface="Helvetica Neue"/>
+                <a:sym typeface="Helvetica Neue"/>
+              </a:defRPr>
+            </a:lvl6pPr>
+            <a:lvl7pPr marR="0" lvl="6" algn="l" rtl="0">
+              <a:lnSpc>
+                <a:spcPct val="100000"/>
+              </a:lnSpc>
+              <a:spcBef>
+                <a:spcPts val="0"/>
+              </a:spcBef>
+              <a:spcAft>
+                <a:spcPts val="0"/>
+              </a:spcAft>
+              <a:buClr>
+                <a:srgbClr val="562457"/>
+              </a:buClr>
+              <a:buSzPct val="100000"/>
+              <a:buFont typeface="Helvetica Neue"/>
+              <a:buChar char="▹"/>
+              <a:defRPr sz="1800" b="0" i="0" u="none" strike="noStrike" cap="none">
+                <a:solidFill>
+                  <a:srgbClr val="181818"/>
+                </a:solidFill>
+                <a:latin typeface="Helvetica Neue"/>
+                <a:ea typeface="Helvetica Neue"/>
+                <a:cs typeface="Helvetica Neue"/>
+                <a:sym typeface="Helvetica Neue"/>
+              </a:defRPr>
+            </a:lvl7pPr>
+            <a:lvl8pPr marR="0" lvl="7" algn="l" rtl="0">
+              <a:lnSpc>
+                <a:spcPct val="100000"/>
+              </a:lnSpc>
+              <a:spcBef>
+                <a:spcPts val="0"/>
+              </a:spcBef>
+              <a:spcAft>
+                <a:spcPts val="0"/>
+              </a:spcAft>
+              <a:buClr>
+                <a:srgbClr val="562457"/>
+              </a:buClr>
+              <a:buSzPct val="100000"/>
+              <a:buFont typeface="Helvetica Neue"/>
+              <a:buChar char="▹"/>
+              <a:defRPr sz="1800" b="0" i="0" u="none" strike="noStrike" cap="none">
+                <a:solidFill>
+                  <a:srgbClr val="181818"/>
+                </a:solidFill>
+                <a:latin typeface="Helvetica Neue"/>
+                <a:ea typeface="Helvetica Neue"/>
+                <a:cs typeface="Helvetica Neue"/>
+                <a:sym typeface="Helvetica Neue"/>
+              </a:defRPr>
+            </a:lvl8pPr>
+            <a:lvl9pPr marR="0" lvl="8" algn="l" rtl="0">
+              <a:lnSpc>
+                <a:spcPct val="100000"/>
+              </a:lnSpc>
+              <a:spcBef>
+                <a:spcPts val="0"/>
+              </a:spcBef>
+              <a:spcAft>
+                <a:spcPts val="0"/>
+              </a:spcAft>
+              <a:buClr>
+                <a:srgbClr val="562457"/>
+              </a:buClr>
+              <a:buSzPct val="100000"/>
+              <a:buFont typeface="Helvetica Neue"/>
+              <a:buChar char="▹"/>
+              <a:defRPr sz="1800" b="0" i="0" u="none" strike="noStrike" cap="none">
+                <a:solidFill>
+                  <a:srgbClr val="181818"/>
+                </a:solidFill>
+                <a:latin typeface="Helvetica Neue"/>
+                <a:ea typeface="Helvetica Neue"/>
+                <a:cs typeface="Helvetica Neue"/>
+                <a:sym typeface="Helvetica Neue"/>
+              </a:defRPr>
+            </a:lvl9pPr>
+          </a:lstStyle>
+          <a:p>
+            <a:r>
+              <a:rPr lang="en-US" dirty="0"/>
+              <a:t> </a:t>
+            </a:r>
+            <a:r>
+              <a:rPr lang="en-US" dirty="0" err="1"/>
+              <a:t>Dataframe-ek</a:t>
+            </a:r>
+            <a:endParaRPr lang="en-US" dirty="0"/>
+          </a:p>
+          <a:p>
+            <a:pPr marL="449263"/>
+            <a:r>
+              <a:rPr lang="hu-HU" dirty="0">
+                <a:latin typeface="Courier"/>
+              </a:rPr>
+              <a:t> x &lt;- </a:t>
+            </a:r>
+            <a:r>
+              <a:rPr lang="en-GB" dirty="0" err="1">
+                <a:latin typeface="Courier"/>
+              </a:rPr>
+              <a:t>data.frame</a:t>
+            </a:r>
+            <a:r>
+              <a:rPr lang="en-GB" dirty="0">
+                <a:latin typeface="Courier"/>
+              </a:rPr>
+              <a:t>(a = c(10, 20, 30),b = c(TRUE, FALSE, FALSE)</a:t>
+            </a:r>
+            <a:endParaRPr lang="en-US" dirty="0">
+              <a:latin typeface="Courier"/>
+            </a:endParaRPr>
+          </a:p>
+          <a:p>
+            <a:pPr marL="509588"/>
+            <a:endParaRPr lang="en-US" dirty="0"/>
+          </a:p>
+        </p:txBody>
+      </p:sp>
+      <p:sp>
+        <p:nvSpPr>
+          <p:cNvPr id="9" name="Text Placeholder 2">
+            <a:extLst>
+              <a:ext uri="{FF2B5EF4-FFF2-40B4-BE49-F238E27FC236}">
+                <a16:creationId xmlns:a16="http://schemas.microsoft.com/office/drawing/2014/main" id="{E967A112-B86B-4B46-B02F-B7E310140286}"/>
+              </a:ext>
+            </a:extLst>
+          </p:cNvPr>
+          <p:cNvSpPr txBox="1">
+            <a:spLocks/>
+          </p:cNvSpPr>
+          <p:nvPr/>
+        </p:nvSpPr>
+        <p:spPr>
+          <a:xfrm>
+            <a:off x="4912031" y="3279492"/>
+            <a:ext cx="4304459" cy="1744480"/>
+          </a:xfrm>
+          <a:prstGeom prst="rect">
+            <a:avLst/>
+          </a:prstGeom>
+          <a:noFill/>
+          <a:ln>
+            <a:noFill/>
+          </a:ln>
+        </p:spPr>
+        <p:txBody>
+          <a:bodyPr lIns="91425" tIns="91425" rIns="91425" bIns="91425" anchor="t" anchorCtr="0"/>
+          <a:lstStyle>
+            <a:defPPr marR="0" lvl="0" algn="l" rtl="0">
+              <a:lnSpc>
+                <a:spcPct val="100000"/>
+              </a:lnSpc>
+              <a:spcBef>
+                <a:spcPts val="0"/>
+              </a:spcBef>
+              <a:spcAft>
+                <a:spcPts val="0"/>
+              </a:spcAft>
+            </a:defPPr>
+            <a:lvl1pPr marR="0" lvl="0" algn="l" rtl="0">
+              <a:lnSpc>
+                <a:spcPct val="100000"/>
+              </a:lnSpc>
+              <a:spcBef>
+                <a:spcPts val="0"/>
+              </a:spcBef>
+              <a:spcAft>
+                <a:spcPts val="0"/>
+              </a:spcAft>
+              <a:buClr>
+                <a:srgbClr val="562457"/>
+              </a:buClr>
+              <a:buSzPct val="100000"/>
+              <a:buFont typeface="Helvetica Neue"/>
+              <a:buChar char="▪"/>
+              <a:defRPr sz="1800" b="0" i="0" u="none" strike="noStrike" cap="none">
+                <a:solidFill>
+                  <a:srgbClr val="181818"/>
+                </a:solidFill>
+                <a:latin typeface="Helvetica Neue"/>
+                <a:ea typeface="Helvetica Neue"/>
+                <a:cs typeface="Helvetica Neue"/>
+                <a:sym typeface="Helvetica Neue"/>
+              </a:defRPr>
+            </a:lvl1pPr>
+            <a:lvl2pPr marR="0" lvl="1" algn="l" rtl="0">
+              <a:lnSpc>
+                <a:spcPct val="100000"/>
+              </a:lnSpc>
+              <a:spcBef>
+                <a:spcPts val="0"/>
+              </a:spcBef>
+              <a:spcAft>
+                <a:spcPts val="0"/>
+              </a:spcAft>
+              <a:buClr>
+                <a:srgbClr val="562457"/>
+              </a:buClr>
+              <a:buSzPct val="100000"/>
+              <a:buFont typeface="Helvetica Neue"/>
+              <a:buChar char="▫"/>
+              <a:defRPr sz="1800" b="0" i="0" u="none" strike="noStrike" cap="none">
+                <a:solidFill>
+                  <a:srgbClr val="181818"/>
+                </a:solidFill>
+                <a:latin typeface="Helvetica Neue"/>
+                <a:ea typeface="Helvetica Neue"/>
+                <a:cs typeface="Helvetica Neue"/>
+                <a:sym typeface="Helvetica Neue"/>
+              </a:defRPr>
+            </a:lvl2pPr>
+            <a:lvl3pPr marR="0" lvl="2" algn="l" rtl="0">
+              <a:lnSpc>
+                <a:spcPct val="100000"/>
+              </a:lnSpc>
+              <a:spcBef>
+                <a:spcPts val="0"/>
+              </a:spcBef>
+              <a:spcAft>
+                <a:spcPts val="0"/>
+              </a:spcAft>
+              <a:buClr>
+                <a:srgbClr val="562457"/>
+              </a:buClr>
+              <a:buSzPct val="100000"/>
+              <a:buFont typeface="Helvetica Neue"/>
+              <a:buChar char="▸"/>
+              <a:defRPr sz="1800" b="0" i="0" u="none" strike="noStrike" cap="none">
+                <a:solidFill>
+                  <a:srgbClr val="181818"/>
+                </a:solidFill>
+                <a:latin typeface="Helvetica Neue"/>
+                <a:ea typeface="Helvetica Neue"/>
+                <a:cs typeface="Helvetica Neue"/>
+                <a:sym typeface="Helvetica Neue"/>
+              </a:defRPr>
+            </a:lvl3pPr>
+            <a:lvl4pPr marR="0" lvl="3" algn="l" rtl="0">
+              <a:lnSpc>
+                <a:spcPct val="100000"/>
+              </a:lnSpc>
+              <a:spcBef>
+                <a:spcPts val="0"/>
+              </a:spcBef>
+              <a:spcAft>
+                <a:spcPts val="0"/>
+              </a:spcAft>
+              <a:buClr>
+                <a:srgbClr val="562457"/>
+              </a:buClr>
+              <a:buSzPct val="100000"/>
+              <a:buFont typeface="Helvetica Neue"/>
+              <a:buChar char="▹"/>
+              <a:defRPr sz="1800" b="0" i="0" u="none" strike="noStrike" cap="none">
+                <a:solidFill>
+                  <a:srgbClr val="181818"/>
+                </a:solidFill>
+                <a:latin typeface="Helvetica Neue"/>
+                <a:ea typeface="Helvetica Neue"/>
+                <a:cs typeface="Helvetica Neue"/>
+                <a:sym typeface="Helvetica Neue"/>
+              </a:defRPr>
+            </a:lvl4pPr>
+            <a:lvl5pPr marR="0" lvl="4" algn="l" rtl="0">
+              <a:lnSpc>
+                <a:spcPct val="100000"/>
+              </a:lnSpc>
+              <a:spcBef>
+                <a:spcPts val="0"/>
+              </a:spcBef>
+              <a:spcAft>
+                <a:spcPts val="0"/>
+              </a:spcAft>
+              <a:buClr>
+                <a:srgbClr val="562457"/>
+              </a:buClr>
+              <a:buSzPct val="100000"/>
+              <a:buFont typeface="Helvetica Neue"/>
+              <a:buChar char="▹"/>
+              <a:defRPr sz="1800" b="0" i="0" u="none" strike="noStrike" cap="none">
+                <a:solidFill>
+                  <a:srgbClr val="181818"/>
+                </a:solidFill>
+                <a:latin typeface="Helvetica Neue"/>
+                <a:ea typeface="Helvetica Neue"/>
+                <a:cs typeface="Helvetica Neue"/>
+                <a:sym typeface="Helvetica Neue"/>
+              </a:defRPr>
+            </a:lvl5pPr>
+            <a:lvl6pPr marR="0" lvl="5" algn="l" rtl="0">
+              <a:lnSpc>
+                <a:spcPct val="100000"/>
+              </a:lnSpc>
+              <a:spcBef>
+                <a:spcPts val="0"/>
+              </a:spcBef>
+              <a:spcAft>
+                <a:spcPts val="0"/>
+              </a:spcAft>
+              <a:buClr>
+                <a:srgbClr val="562457"/>
+              </a:buClr>
+              <a:buSzPct val="100000"/>
+              <a:buFont typeface="Helvetica Neue"/>
+              <a:buChar char="▹"/>
+              <a:defRPr sz="1800" b="0" i="0" u="none" strike="noStrike" cap="none">
+                <a:solidFill>
+                  <a:srgbClr val="181818"/>
+                </a:solidFill>
+                <a:latin typeface="Helvetica Neue"/>
+                <a:ea typeface="Helvetica Neue"/>
+                <a:cs typeface="Helvetica Neue"/>
+                <a:sym typeface="Helvetica Neue"/>
+              </a:defRPr>
+            </a:lvl6pPr>
+            <a:lvl7pPr marR="0" lvl="6" algn="l" rtl="0">
+              <a:lnSpc>
+                <a:spcPct val="100000"/>
+              </a:lnSpc>
+              <a:spcBef>
+                <a:spcPts val="0"/>
+              </a:spcBef>
+              <a:spcAft>
+                <a:spcPts val="0"/>
+              </a:spcAft>
+              <a:buClr>
+                <a:srgbClr val="562457"/>
+              </a:buClr>
+              <a:buSzPct val="100000"/>
+              <a:buFont typeface="Helvetica Neue"/>
+              <a:buChar char="▹"/>
+              <a:defRPr sz="1800" b="0" i="0" u="none" strike="noStrike" cap="none">
+                <a:solidFill>
+                  <a:srgbClr val="181818"/>
+                </a:solidFill>
+                <a:latin typeface="Helvetica Neue"/>
+                <a:ea typeface="Helvetica Neue"/>
+                <a:cs typeface="Helvetica Neue"/>
+                <a:sym typeface="Helvetica Neue"/>
+              </a:defRPr>
+            </a:lvl7pPr>
+            <a:lvl8pPr marR="0" lvl="7" algn="l" rtl="0">
+              <a:lnSpc>
+                <a:spcPct val="100000"/>
+              </a:lnSpc>
+              <a:spcBef>
+                <a:spcPts val="0"/>
+              </a:spcBef>
+              <a:spcAft>
+                <a:spcPts val="0"/>
+              </a:spcAft>
+              <a:buClr>
+                <a:srgbClr val="562457"/>
+              </a:buClr>
+              <a:buSzPct val="100000"/>
+              <a:buFont typeface="Helvetica Neue"/>
+              <a:buChar char="▹"/>
+              <a:defRPr sz="1800" b="0" i="0" u="none" strike="noStrike" cap="none">
+                <a:solidFill>
+                  <a:srgbClr val="181818"/>
+                </a:solidFill>
+                <a:latin typeface="Helvetica Neue"/>
+                <a:ea typeface="Helvetica Neue"/>
+                <a:cs typeface="Helvetica Neue"/>
+                <a:sym typeface="Helvetica Neue"/>
+              </a:defRPr>
+            </a:lvl8pPr>
+            <a:lvl9pPr marR="0" lvl="8" algn="l" rtl="0">
+              <a:lnSpc>
+                <a:spcPct val="100000"/>
+              </a:lnSpc>
+              <a:spcBef>
+                <a:spcPts val="0"/>
+              </a:spcBef>
+              <a:spcAft>
+                <a:spcPts val="0"/>
+              </a:spcAft>
+              <a:buClr>
+                <a:srgbClr val="562457"/>
+              </a:buClr>
+              <a:buSzPct val="100000"/>
+              <a:buFont typeface="Helvetica Neue"/>
+              <a:buChar char="▹"/>
+              <a:defRPr sz="1800" b="0" i="0" u="none" strike="noStrike" cap="none">
+                <a:solidFill>
+                  <a:srgbClr val="181818"/>
+                </a:solidFill>
+                <a:latin typeface="Helvetica Neue"/>
+                <a:ea typeface="Helvetica Neue"/>
+                <a:cs typeface="Helvetica Neue"/>
+                <a:sym typeface="Helvetica Neue"/>
+              </a:defRPr>
+            </a:lvl9pPr>
+          </a:lstStyle>
+          <a:p>
+            <a:pPr>
+              <a:buNone/>
+            </a:pPr>
+            <a:r>
+              <a:rPr lang="hu-HU" dirty="0"/>
+              <a:t>Mi a kimenetele az alábbi parancsnak:</a:t>
+            </a:r>
+            <a:br>
+              <a:rPr lang="hu-HU" dirty="0"/>
+            </a:br>
+            <a:r>
+              <a:rPr lang="en-GB" b="1" dirty="0">
+                <a:latin typeface="Courier"/>
+              </a:rPr>
+              <a:t>paste(x[[1]][1], x[[2]][2])</a:t>
+            </a:r>
+            <a:r>
+              <a:rPr lang="hu-HU" dirty="0">
+                <a:latin typeface="Courier"/>
+              </a:rPr>
+              <a:t>?</a:t>
+            </a:r>
+          </a:p>
+          <a:p>
+            <a:pPr marL="285750" indent="-285750"/>
+            <a:r>
+              <a:rPr lang="en-GB" dirty="0">
+                <a:latin typeface="Courier"/>
+              </a:rPr>
+              <a:t>Hiba</a:t>
+            </a:r>
+            <a:r>
+              <a:rPr lang="hu-HU" dirty="0">
+                <a:latin typeface="Courier"/>
+              </a:rPr>
+              <a:t>üznet (out of bounds)</a:t>
+            </a:r>
+            <a:endParaRPr lang="en-GB" dirty="0">
+              <a:latin typeface="Courier"/>
+            </a:endParaRPr>
+          </a:p>
+          <a:p>
+            <a:pPr marL="285750" indent="-285750"/>
+            <a:r>
+              <a:rPr lang="en-GB" dirty="0">
+                <a:latin typeface="Courier"/>
+              </a:rPr>
+              <a:t>[1] 1 FALSE</a:t>
+            </a:r>
+          </a:p>
+          <a:p>
+            <a:pPr marL="285750" indent="-285750"/>
+            <a:r>
+              <a:rPr lang="en-GB" dirty="0">
+                <a:latin typeface="Courier"/>
+              </a:rPr>
+              <a:t>[1] list(1, 2), list(TRUE, FALSE)</a:t>
+            </a:r>
+          </a:p>
+        </p:txBody>
+      </p:sp>
+    </p:spTree>
+    <p:extLst>
+      <p:ext uri="{BB962C8B-B14F-4D97-AF65-F5344CB8AC3E}">
+        <p14:creationId xmlns:p14="http://schemas.microsoft.com/office/powerpoint/2010/main" val="188437065"/>
+      </p:ext>
+    </p:extLst>
+  </p:cSld>
+  <p:clrMapOvr>
+    <a:masterClrMapping/>
+  </p:clrMapOvr>
+  <p:timing>
+    <p:tnLst>
+      <p:par>
+        <p:cTn id="1" dur="indefinite" restart="never" nodeType="tmRoot">
+          <p:childTnLst>
+            <p:seq concurrent="1" nextAc="seek">
+              <p:cTn id="2" dur="indefinite" nodeType="mainSeq">
+                <p:childTnLst>
+                  <p:par>
+                    <p:cTn id="3" fill="hold">
+                      <p:stCondLst>
+                        <p:cond delay="indefinite"/>
+                      </p:stCondLst>
+                      <p:childTnLst>
+                        <p:par>
+                          <p:cTn id="4" fill="hold">
+                            <p:stCondLst>
+                              <p:cond delay="0"/>
+                            </p:stCondLst>
+                            <p:childTnLst>
+                              <p:par>
+                                <p:cTn id="5" presetID="1" presetClass="entr" presetSubtype="0" fill="hold" grpId="0" nodeType="clickEffect">
+                                  <p:stCondLst>
+                                    <p:cond delay="0"/>
+                                  </p:stCondLst>
+                                  <p:childTnLst>
+                                    <p:set>
+                                      <p:cBhvr>
+                                        <p:cTn id="6" dur="1" fill="hold">
+                                          <p:stCondLst>
+                                            <p:cond delay="0"/>
+                                          </p:stCondLst>
+                                        </p:cTn>
+                                        <p:tgtEl>
+                                          <p:spTgt spid="9"/>
+                                        </p:tgtEl>
+                                        <p:attrNameLst>
+                                          <p:attrName>style.visibility</p:attrName>
+                                        </p:attrNameLst>
+                                      </p:cBhvr>
+                                      <p:to>
+                                        <p:strVal val="visible"/>
+                                      </p:to>
+                                    </p:set>
+                                  </p:childTnLst>
+                                </p:cTn>
+                              </p:par>
+                            </p:childTnLst>
+                          </p:cTn>
+                        </p:par>
+                      </p:childTnLst>
+                    </p:cTn>
+                  </p:par>
+                </p:childTnLst>
+              </p:cTn>
+              <p:prevCondLst>
+                <p:cond evt="onPrev" delay="0">
+                  <p:tgtEl>
+                    <p:sldTgt/>
+                  </p:tgtEl>
+                </p:cond>
+              </p:prevCondLst>
+              <p:nextCondLst>
+                <p:cond evt="onNext" delay="0">
+                  <p:tgtEl>
+                    <p:sldTgt/>
+                  </p:tgtEl>
+                </p:cond>
+              </p:nextCondLst>
+            </p:seq>
+          </p:childTnLst>
+        </p:cTn>
+      </p:par>
+    </p:tnLst>
+    <p:bldLst>
+      <p:bldP spid="9" grpId="0"/>
+    </p:bldLst>
+  </p:timing>
+</p:sld>
+</file>
+
+<file path=ppt/slides/slide8.xml><?xml version="1.0" encoding="utf-8"?>
+<p:sld xmlns:a="http://schemas.openxmlformats.org/drawingml/2006/main" xmlns:r="http://schemas.openxmlformats.org/officeDocument/2006/relationships" xmlns:p="http://schemas.openxmlformats.org/presentationml/2006/main">
+  <p:cSld>
+    <p:spTree>
+      <p:nvGrpSpPr>
+        <p:cNvPr id="1" name=""/>
+        <p:cNvGrpSpPr/>
+        <p:nvPr/>
+      </p:nvGrpSpPr>
+      <p:grpSpPr>
+        <a:xfrm>
+          <a:off x="0" y="0"/>
+          <a:ext cx="0" cy="0"/>
+          <a:chOff x="0" y="0"/>
+          <a:chExt cx="0" cy="0"/>
+        </a:xfrm>
+      </p:grpSpPr>
+      <p:sp>
+        <p:nvSpPr>
+          <p:cNvPr id="2" name="Title 1"/>
+          <p:cNvSpPr>
+            <a:spLocks noGrp="1"/>
+          </p:cNvSpPr>
+          <p:nvPr>
+            <p:ph type="title"/>
+          </p:nvPr>
+        </p:nvSpPr>
+        <p:spPr>
+          <a:xfrm>
+            <a:off x="606964" y="0"/>
+            <a:ext cx="6580645" cy="857400"/>
+          </a:xfrm>
+        </p:spPr>
+        <p:txBody>
+          <a:bodyPr/>
+          <a:lstStyle/>
+          <a:p>
+            <a:r>
+              <a:rPr lang="hu-HU" dirty="0"/>
               <a:t>Mik a </a:t>
             </a:r>
             <a:r>
@@ -6300,99 +7380,6 @@
               </a:rPr>
               <a:t>}</a:t>
             </a:r>
-          </a:p>
-          <a:p>
-            <a:pPr indent="14288"/>
-            <a:r>
-              <a:rPr lang="en-GB" dirty="0">
-                <a:latin typeface="Courier"/>
-              </a:rPr>
-              <a:t> apply</a:t>
-            </a:r>
-            <a:r>
-              <a:rPr lang="en-GB" dirty="0">
-                <a:latin typeface="+mn-lt"/>
-              </a:rPr>
-              <a:t> f</a:t>
-            </a:r>
-            <a:r>
-              <a:rPr lang="hu-HU" dirty="0">
-                <a:latin typeface="+mn-lt"/>
-              </a:rPr>
-              <a:t>üggvények</a:t>
-            </a:r>
-          </a:p>
-          <a:p>
-            <a:pPr indent="14288"/>
-            <a:endParaRPr lang="en-GB" dirty="0">
-              <a:latin typeface="+mn-lt"/>
-            </a:endParaRPr>
-          </a:p>
-          <a:p>
-            <a:pPr indent="14288"/>
-            <a:r>
-              <a:rPr lang="en-GB" dirty="0">
-                <a:latin typeface="Courier"/>
-              </a:rPr>
-              <a:t> </a:t>
-            </a:r>
-            <a:r>
-              <a:rPr lang="en-GB" dirty="0" err="1">
-                <a:latin typeface="Courier"/>
-              </a:rPr>
-              <a:t>purrr</a:t>
-            </a:r>
-            <a:r>
-              <a:rPr lang="hu-HU" dirty="0">
-                <a:latin typeface="+mn-lt"/>
-              </a:rPr>
-              <a:t> </a:t>
-            </a:r>
-            <a:r>
-              <a:rPr lang="en-GB" dirty="0" err="1">
-                <a:latin typeface="+mn-lt"/>
-              </a:rPr>
-              <a:t>csomag</a:t>
-            </a:r>
-            <a:endParaRPr lang="en-GB" dirty="0">
-              <a:latin typeface="+mn-lt"/>
-            </a:endParaRPr>
-          </a:p>
-          <a:p>
-            <a:pPr indent="14288"/>
-            <a:endParaRPr lang="en-GB" dirty="0">
-              <a:latin typeface="+mn-lt"/>
-            </a:endParaRPr>
-          </a:p>
-          <a:p>
-            <a:pPr indent="14288"/>
-            <a:endParaRPr lang="en-GB" dirty="0">
-              <a:latin typeface="+mn-lt"/>
-            </a:endParaRPr>
-          </a:p>
-          <a:p>
-            <a:pPr indent="14288"/>
-            <a:r>
-              <a:rPr lang="en-GB" dirty="0">
-                <a:latin typeface="+mn-lt"/>
-              </a:rPr>
-              <a:t> +1: </a:t>
-            </a:r>
-            <a:r>
-              <a:rPr lang="en-GB" dirty="0" err="1">
-                <a:latin typeface="+mn-lt"/>
-              </a:rPr>
-              <a:t>vektoriz</a:t>
-            </a:r>
-            <a:r>
-              <a:rPr lang="hu-HU" dirty="0">
-                <a:latin typeface="+mn-lt"/>
-              </a:rPr>
-              <a:t>álás</a:t>
-            </a:r>
-            <a:endParaRPr lang="en-US" dirty="0">
-              <a:latin typeface="+mn-lt"/>
-            </a:endParaRPr>
           </a:p>
         </p:txBody>
       </p:sp>
@@ -6445,7 +7432,7 @@
 </p:sld>
 </file>
 
-<file path=ppt/slides/slide8.xml><?xml version="1.0" encoding="utf-8"?>
+<file path=ppt/slides/slide9.xml><?xml version="1.0" encoding="utf-8"?>
 <p:sld xmlns:a="http://schemas.openxmlformats.org/drawingml/2006/main" xmlns:r="http://schemas.openxmlformats.org/officeDocument/2006/relationships" xmlns:p="http://schemas.openxmlformats.org/presentationml/2006/main">
   <p:cSld>
     <p:spTree>
@@ -6474,8 +7461,8 @@
         </p:nvSpPr>
         <p:spPr>
           <a:xfrm>
-            <a:off x="262328" y="-1"/>
-            <a:ext cx="7862341" cy="1514007"/>
+            <a:off x="606964" y="0"/>
+            <a:ext cx="6580645" cy="857400"/>
           </a:xfrm>
         </p:spPr>
         <p:txBody>
@@ -6484,18 +7471,162 @@
           <a:p>
             <a:r>
               <a:rPr lang="hu-HU" dirty="0"/>
-              <a:t>Esettanulmány: gyűjtsük ki azokat a darabokat a Katona honlapjáról, ahol a kedvenc színészeink együtt játszanak!</a:t>
+              <a:t>Mik a </a:t>
+            </a:r>
+            <a:r>
+              <a:rPr lang="en-GB" dirty="0" err="1"/>
+              <a:t>tipikus</a:t>
+            </a:r>
+            <a:r>
+              <a:rPr lang="en-GB" dirty="0"/>
+              <a:t> </a:t>
+            </a:r>
+            <a:r>
+              <a:rPr lang="en-GB" dirty="0" err="1"/>
+              <a:t>iter</a:t>
+            </a:r>
+            <a:r>
+              <a:rPr lang="hu-HU" dirty="0"/>
+              <a:t>ációs módszerek?</a:t>
             </a:r>
             <a:endParaRPr lang="en-US" dirty="0"/>
+          </a:p>
+        </p:txBody>
+      </p:sp>
+      <p:sp>
+        <p:nvSpPr>
+          <p:cNvPr id="3" name="Text Placeholder 2"/>
+          <p:cNvSpPr>
+            <a:spLocks noGrp="1"/>
+          </p:cNvSpPr>
+          <p:nvPr>
+            <p:ph type="body" idx="1"/>
+          </p:nvPr>
+        </p:nvSpPr>
+        <p:spPr>
+          <a:xfrm>
+            <a:off x="59961" y="851940"/>
+            <a:ext cx="4852070" cy="3067988"/>
+          </a:xfrm>
+        </p:spPr>
+        <p:txBody>
+          <a:bodyPr/>
+          <a:lstStyle/>
+          <a:p>
+            <a:r>
+              <a:rPr lang="en-US" dirty="0"/>
+              <a:t> </a:t>
+            </a:r>
+            <a:r>
+              <a:rPr lang="hu-HU" dirty="0"/>
+              <a:t>for ciklus</a:t>
+            </a:r>
+            <a:r>
+              <a:rPr lang="en-GB" dirty="0"/>
+              <a:t> </a:t>
+            </a:r>
+            <a:endParaRPr lang="en-US" dirty="0"/>
+          </a:p>
+          <a:p>
+            <a:pPr marL="509588">
+              <a:buNone/>
+            </a:pPr>
+            <a:r>
+              <a:rPr lang="hu-HU" dirty="0">
+                <a:latin typeface="Courier"/>
+              </a:rPr>
+              <a:t>for(</a:t>
+            </a:r>
+            <a:r>
+              <a:rPr lang="en-GB" dirty="0" err="1">
+                <a:latin typeface="Courier"/>
+              </a:rPr>
+              <a:t>i</a:t>
+            </a:r>
+            <a:r>
+              <a:rPr lang="en-GB" dirty="0">
+                <a:latin typeface="Courier"/>
+              </a:rPr>
+              <a:t> in c(1:3)) {</a:t>
+            </a:r>
+          </a:p>
+          <a:p>
+            <a:pPr marL="509588" lvl="1">
+              <a:buNone/>
+            </a:pPr>
+            <a:r>
+              <a:rPr lang="en-GB" dirty="0">
+                <a:latin typeface="Courier"/>
+              </a:rPr>
+              <a:t>       print(</a:t>
+            </a:r>
+            <a:r>
+              <a:rPr lang="en-GB" dirty="0" err="1">
+                <a:latin typeface="Courier"/>
+              </a:rPr>
+              <a:t>i</a:t>
+            </a:r>
+            <a:r>
+              <a:rPr lang="en-GB" dirty="0">
+                <a:latin typeface="Courier"/>
+              </a:rPr>
+              <a:t>)</a:t>
+            </a:r>
+            <a:br>
+              <a:rPr lang="en-GB" dirty="0">
+                <a:latin typeface="Courier"/>
+              </a:rPr>
+            </a:br>
+            <a:r>
+              <a:rPr lang="en-GB" dirty="0">
+                <a:latin typeface="Courier"/>
+              </a:rPr>
+              <a:t>}</a:t>
+            </a:r>
+          </a:p>
+          <a:p>
+            <a:pPr indent="14288"/>
+            <a:r>
+              <a:rPr lang="en-GB" dirty="0">
+                <a:latin typeface="Courier"/>
+              </a:rPr>
+              <a:t> apply</a:t>
+            </a:r>
+            <a:r>
+              <a:rPr lang="en-GB" dirty="0">
+                <a:latin typeface="+mn-lt"/>
+              </a:rPr>
+              <a:t> f</a:t>
+            </a:r>
+            <a:r>
+              <a:rPr lang="hu-HU" dirty="0">
+                <a:latin typeface="+mn-lt"/>
+              </a:rPr>
+              <a:t>üggvények</a:t>
+            </a:r>
+          </a:p>
+          <a:p>
+            <a:pPr indent="14288"/>
+            <a:endParaRPr lang="en-GB" dirty="0">
+              <a:latin typeface="+mn-lt"/>
+            </a:endParaRPr>
+          </a:p>
+          <a:p>
+            <a:pPr>
+              <a:buNone/>
+            </a:pPr>
+            <a:endParaRPr lang="en-US" dirty="0">
+              <a:latin typeface="+mn-lt"/>
+            </a:endParaRPr>
           </a:p>
         </p:txBody>
       </p:sp>
       <p:pic>
         <p:nvPicPr>
-          <p:cNvPr id="7" name="Picture 6">
+          <p:cNvPr id="6" name="Graphic 5" descr="Heart">
             <a:extLst>
               <a:ext uri="{FF2B5EF4-FFF2-40B4-BE49-F238E27FC236}">
-                <a16:creationId xmlns:a16="http://schemas.microsoft.com/office/drawing/2014/main" id="{7F70D011-C4C5-41F4-95B7-6F1C8143AF82}"/>
+                <a16:creationId xmlns:a16="http://schemas.microsoft.com/office/drawing/2014/main" id="{5941A1D6-A16F-4490-92D4-C3AE6BDB0699}"/>
               </a:ext>
             </a:extLst>
           </p:cNvPr>
@@ -6505,45 +7636,21 @@
           <p:nvPr/>
         </p:nvPicPr>
         <p:blipFill>
-          <a:blip r:embed="rId2"/>
+          <a:blip r:embed="rId2">
+            <a:extLst>
+              <a:ext uri="{96DAC541-7B7A-43D3-8B79-37D633B846F1}">
+                <asvg:svgBlip xmlns:asvg="http://schemas.microsoft.com/office/drawing/2016/SVG/main" r:embed="rId3"/>
+              </a:ext>
+            </a:extLst>
+          </a:blip>
           <a:stretch>
             <a:fillRect/>
           </a:stretch>
         </p:blipFill>
         <p:spPr>
           <a:xfrm>
-            <a:off x="999070" y="1968246"/>
-            <a:ext cx="2221023" cy="2231426"/>
-          </a:xfrm>
-          <a:prstGeom prst="rect">
-            <a:avLst/>
-          </a:prstGeom>
-        </p:spPr>
-      </p:pic>
-      <p:pic>
-        <p:nvPicPr>
-          <p:cNvPr id="8" name="Picture 7">
-            <a:extLst>
-              <a:ext uri="{FF2B5EF4-FFF2-40B4-BE49-F238E27FC236}">
-                <a16:creationId xmlns:a16="http://schemas.microsoft.com/office/drawing/2014/main" id="{D0EBB17F-24C7-4D81-9C68-EA37B903A457}"/>
-              </a:ext>
-            </a:extLst>
-          </p:cNvPr>
-          <p:cNvPicPr>
-            <a:picLocks noChangeAspect="1"/>
-          </p:cNvPicPr>
-          <p:nvPr/>
-        </p:nvPicPr>
-        <p:blipFill>
-          <a:blip r:embed="rId3"/>
-          <a:stretch>
-            <a:fillRect/>
-          </a:stretch>
-        </p:blipFill>
-        <p:spPr>
-          <a:xfrm>
-            <a:off x="5520286" y="1968246"/>
-            <a:ext cx="2221119" cy="2231426"/>
+            <a:off x="1245201" y="921895"/>
+            <a:ext cx="358745" cy="358745"/>
           </a:xfrm>
           <a:prstGeom prst="rect">
             <a:avLst/>
@@ -6553,7 +7660,7 @@
     </p:spTree>
     <p:extLst>
       <p:ext uri="{BB962C8B-B14F-4D97-AF65-F5344CB8AC3E}">
-        <p14:creationId xmlns:p14="http://schemas.microsoft.com/office/powerpoint/2010/main" val="3796828195"/>
+        <p14:creationId xmlns:p14="http://schemas.microsoft.com/office/powerpoint/2010/main" val="3293533953"/>
       </p:ext>
     </p:extLst>
   </p:cSld>

--- a/Meetup_2018_03_09/Data structures and loops/ppt/Adatszerkezetek.pptx
+++ b/Meetup_2018_03_09/Data structures and loops/ppt/Adatszerkezetek.pptx
@@ -3189,7 +3189,7 @@
         </p:blipFill>
         <p:spPr>
           <a:xfrm>
-            <a:off x="189032" y="2523442"/>
+            <a:off x="1324336" y="2563550"/>
             <a:ext cx="1230021" cy="1076268"/>
           </a:xfrm>
           <a:prstGeom prst="rect">
@@ -3219,7 +3219,7 @@
         </p:blipFill>
         <p:spPr>
           <a:xfrm>
-            <a:off x="1417269" y="2560006"/>
+            <a:off x="152650" y="2544135"/>
             <a:ext cx="1051448" cy="1051448"/>
           </a:xfrm>
           <a:prstGeom prst="rect">
@@ -3249,7 +3249,7 @@
         </p:blipFill>
         <p:spPr>
           <a:xfrm>
-            <a:off x="2531105" y="2568548"/>
+            <a:off x="2737083" y="2575961"/>
             <a:ext cx="1273521" cy="1051447"/>
           </a:xfrm>
           <a:prstGeom prst="rect">
@@ -3279,7 +3279,7 @@
         </p:blipFill>
         <p:spPr>
           <a:xfrm>
-            <a:off x="3963812" y="2575961"/>
+            <a:off x="4122999" y="2575961"/>
             <a:ext cx="1498312" cy="1051447"/>
           </a:xfrm>
           <a:prstGeom prst="rect">
@@ -3309,7 +3309,7 @@
         </p:blipFill>
         <p:spPr>
           <a:xfrm>
-            <a:off x="74951" y="3716420"/>
+            <a:off x="1832982" y="3709657"/>
             <a:ext cx="3919693" cy="1334364"/>
           </a:xfrm>
           <a:prstGeom prst="rect">
@@ -3339,7 +3339,7 @@
         </p:blipFill>
         <p:spPr>
           <a:xfrm>
-            <a:off x="3994644" y="3716418"/>
+            <a:off x="5838925" y="3770769"/>
             <a:ext cx="3165891" cy="1225666"/>
           </a:xfrm>
           <a:prstGeom prst="rect">
@@ -3399,7 +3399,7 @@
         </p:blipFill>
         <p:spPr>
           <a:xfrm>
-            <a:off x="7555899" y="3716418"/>
+            <a:off x="286049" y="3700297"/>
             <a:ext cx="1460684" cy="1331965"/>
           </a:xfrm>
           <a:prstGeom prst="rect">
@@ -3754,11 +3754,11 @@
           <a:p>
             <a:pPr marL="509588"/>
             <a:r>
-              <a:rPr lang="en-US" dirty="0"/>
-              <a:t> </a:t>
-            </a:r>
-            <a:r>
-              <a:rPr lang="en-GB" dirty="0">
+              <a:rPr lang="en-US"/>
+              <a:t>  </a:t>
+            </a:r>
+            <a:r>
+              <a:rPr lang="en-GB">
                 <a:latin typeface="Courier"/>
               </a:rPr>
               <a:t>x</a:t>
